--- a/Skript-Folien/FoPra-Thema09.pptx
+++ b/Skript-Folien/FoPra-Thema09.pptx
@@ -36,6 +36,9 @@
     <p:sldId id="281" r:id="rId33"/>
     <p:sldId id="282" r:id="rId34"/>
     <p:sldId id="283" r:id="rId35"/>
+    <p:sldId id="284" r:id="rId36"/>
+    <p:sldId id="285" r:id="rId37"/>
+    <p:sldId id="286" r:id="rId38"/>
   </p:sldIdLst>
   <p:sldSz cx="13004800" cy="9753600"/>
   <p:notesSz cx="6858000" cy="9144000"/>
@@ -4810,8 +4813,8 @@
         </p:blipFill>
         <p:spPr>
           <a:xfrm>
-            <a:off x="2076449" y="5873750"/>
-            <a:ext cx="7950934" cy="3020375"/>
+            <a:off x="2076450" y="5873750"/>
+            <a:ext cx="7950933" cy="3020375"/>
           </a:xfrm>
           <a:prstGeom prst="rect">
             <a:avLst/>
@@ -5317,6 +5320,10 @@
           </p:nvPr>
         </p:nvSpPr>
         <p:spPr>
+          <a:xfrm>
+            <a:off x="282297" y="1905000"/>
+            <a:ext cx="12248713" cy="7201583"/>
+          </a:xfrm>
           <a:prstGeom prst="rect">
             <a:avLst/>
           </a:prstGeom>
@@ -5375,7 +5382,11 @@
           <a:p>
             <a:pPr/>
             <a:r>
-              <a:t>Wenn das Ziel die Kontrolle von Fehlalarmen ist, dann ist von Optional Stopping abzuraten.</a:t>
+              <a:rPr i="1"/>
+              <a:t>Wenn</a:t>
+            </a:r>
+            <a:r>
+              <a:t> das Ziel die Kontrolle von Fehlalarmen ist, dann ist von Optional Stopping abzuraten.</a:t>
             </a:r>
           </a:p>
           <a:p>
@@ -5394,6 +5405,12 @@
             <a:pPr/>
             <a:r>
               <a:t>Allerdings sind Nullhypothesen meistens falsch, so dass man gar keinen Fehlalarm begehen kann, so einige Statistiker (ist auch meine Meinung).</a:t>
+            </a:r>
+          </a:p>
+          <a:p>
+            <a:pPr/>
+            <a:r>
+              <a:t>In der Bayes-Statistik ist das Ziel nicht Fehlerkontrolle, sondern Identifikation der Posteriori-Wahrscheinlichkeit: Wie wahrscheinlich ist die Hypothese? Wie breit ist der Schätzbereich?</a:t>
             </a:r>
           </a:p>
         </p:txBody>
@@ -7413,7 +7430,7 @@
       </p:sp>
       <p:sp>
         <p:nvSpPr>
-          <p:cNvPr id="248" name="Optional Stopping ist immer problematisch"/>
+          <p:cNvPr id="248" name="Optional Stopping kann auch für Bayes ein Problem sein"/>
           <p:cNvSpPr txBox="1"/>
           <p:nvPr>
             <p:ph type="body" idx="21"/>
@@ -7426,11 +7443,15 @@
         </p:spPr>
         <p:txBody>
           <a:bodyPr/>
-          <a:lstStyle/>
+          <a:lstStyle>
+            <a:lvl1pPr marL="120650" marR="120650" indent="120650" defTabSz="1235455">
+              <a:defRPr sz="5890"/>
+            </a:lvl1pPr>
+          </a:lstStyle>
           <a:p>
             <a:pPr/>
             <a:r>
-              <a:t>Optional Stopping ist immer problematisch</a:t>
+              <a:t>Optional Stopping kann auch für Bayes ein Problem sein</a:t>
             </a:r>
           </a:p>
         </p:txBody>
@@ -7463,7 +7484,14 @@
               <a:defRPr sz="2304"/>
             </a:pPr>
             <a:r>
-              <a:t>Für Bayes ist optional stopping weniger problematisch als für den Frequentismus.</a:t>
+              <a:t>Für Bayes ist optional stopping </a:t>
+            </a:r>
+            <a:r>
+              <a:rPr i="1"/>
+              <a:t>weniger</a:t>
+            </a:r>
+            <a:r>
+              <a:t> problematisch als für den Frequentismus.</a:t>
             </a:r>
           </a:p>
           <a:p>
@@ -7474,7 +7502,7 @@
               <a:defRPr sz="2304"/>
             </a:pPr>
             <a:r>
-              <a:t>Aber es ist immer (oder kann immer) ein Problem sein, auch für Bayes (wenn auch evtl. in geringerem Maße als für den Frequentismus).</a:t>
+              <a:t>Aber Optional Stopping kann ein Problem sein, auch für Bayes (wenn auch evtl. in geringerem Maße als für den Frequentismus).</a:t>
             </a:r>
           </a:p>
           <a:p>
@@ -7646,13 +7674,45 @@
       </p:sp>
       <p:sp>
         <p:nvSpPr>
-          <p:cNvPr id="254" name="Methoden der Fallzahlplanung"/>
+          <p:cNvPr id="254" name="Erhebungsplanung als Alternative zur Fallzahlplanung"/>
           <p:cNvSpPr txBox="1"/>
           <p:nvPr>
-            <p:ph type="title"/>
+            <p:ph type="body" idx="21"/>
           </p:nvPr>
         </p:nvSpPr>
         <p:spPr>
+          <a:prstGeom prst="rect">
+            <a:avLst/>
+          </a:prstGeom>
+        </p:spPr>
+        <p:txBody>
+          <a:bodyPr/>
+          <a:lstStyle>
+            <a:lvl1pPr marL="124460" marR="124460" indent="124460" defTabSz="1274470">
+              <a:defRPr sz="6076"/>
+            </a:lvl1pPr>
+          </a:lstStyle>
+          <a:p>
+            <a:pPr/>
+            <a:r>
+              <a:t>Erhebungsplanung als Alternative zur Fallzahlplanung </a:t>
+            </a:r>
+          </a:p>
+        </p:txBody>
+      </p:sp>
+      <p:sp>
+        <p:nvSpPr>
+          <p:cNvPr id="255" name="Um (Verdacht auf) Betrügereien mit Optional Stopping zu verhindern, reicht es vorab, das Vorgehen der Erhebung festzulegen (nennen wir es Erhebungsplanung), z.B. so:…"/>
+          <p:cNvSpPr txBox="1"/>
+          <p:nvPr>
+            <p:ph type="body" idx="22"/>
+          </p:nvPr>
+        </p:nvSpPr>
+        <p:spPr>
+          <a:xfrm>
+            <a:off x="282297" y="1905000"/>
+            <a:ext cx="12248713" cy="7237280"/>
+          </a:xfrm>
           <a:prstGeom prst="rect">
             <a:avLst/>
           </a:prstGeom>
@@ -7663,8 +7723,205 @@
           <a:p>
             <a:pPr/>
             <a:r>
-              <a:t>Methoden der Fallzahlplanung</a:t>
-            </a:r>
+              <a:t>Um (Verdacht auf) Betrügereien mit Optional Stopping zu verhindern, reicht es </a:t>
+            </a:r>
+            <a:r>
+              <a:rPr i="1"/>
+              <a:t>vorab</a:t>
+            </a:r>
+            <a:r>
+              <a:t>, das Vorgehen der Erhebung festzulegen (nennen wir es </a:t>
+            </a:r>
+            <a:r>
+              <a:rPr i="1"/>
+              <a:t>Erhebungsplanung</a:t>
+            </a:r>
+            <a:r>
+              <a:t>), z.B. so:</a:t>
+            </a:r>
+          </a:p>
+          <a:p>
+            <a:pPr lvl="1" marL="812800" indent="-228600">
+              <a:buClr>
+                <a:schemeClr val="accent5"/>
+              </a:buClr>
+              <a:buFont typeface="Arial"/>
+              <a:buChar char="▶︎"/>
+            </a:pPr>
+            <a:r>
+              <a:t>„Wir erheben Daten bis das 95%-HDI schmäler als 10-IQ-Punkte ist oder bis zum 31.12.2099 – je nach dem, welches von beiden früher eintritt“</a:t>
+            </a:r>
+          </a:p>
+          <a:p>
+            <a:pPr lvl="1" marL="812800" indent="-228600">
+              <a:buClr>
+                <a:schemeClr val="accent5"/>
+              </a:buClr>
+              <a:buFont typeface="Arial"/>
+              <a:buChar char="▶︎"/>
+            </a:pPr>
+            <a:r>
+              <a:t>„Wir erheben Daten im Zeitraum von X bis Y“</a:t>
+            </a:r>
+          </a:p>
+          <a:p>
+            <a:pPr/>
+            <a:r>
+              <a:t>Eine Fallzahlplanung ist dann nicht nötig im Hinblick auf die Gefahren des Optional Stopping.</a:t>
+            </a:r>
+          </a:p>
+          <a:p>
+            <a:pPr/>
+            <a:r>
+              <a:t>Aus Gründen der Projektplanung (oder anderen Gründen) kann man sich natürlich trotzdem für eine Fallzahlplanung entscheiden.</a:t>
+            </a:r>
+          </a:p>
+          <a:p>
+            <a:pPr/>
+            <a:r>
+              <a:t>Man weiß dann ggf. nicht vorab, wie groß die Stichprobe final sein wird.</a:t>
+            </a:r>
+          </a:p>
+          <a:p>
+            <a:pPr/>
+            <a:r>
+              <a:t>Wichtig ist, dass die Erhebungsplanung vorab (also vor Beginn der Datenerhebung) eingereicht wird an geeigneter Stelle (einem Forschungsrepositorium)</a:t>
+            </a:r>
+          </a:p>
+          <a:p>
+            <a:pPr lvl="1" marL="812800" indent="-228600">
+              <a:buClr>
+                <a:schemeClr val="accent5"/>
+              </a:buClr>
+              <a:buFont typeface="Arial"/>
+              <a:buChar char="▶︎"/>
+            </a:pPr>
+            <a:r>
+              <a:t>Für Qualifizierungsarbeiten ist dies zumeist ohne Belang, den meisten Gutachtern also egal.</a:t>
+            </a:r>
+          </a:p>
+          <a:p>
+            <a:pPr lvl="1" marL="812800" indent="-228600">
+              <a:buClr>
+                <a:schemeClr val="accent5"/>
+              </a:buClr>
+              <a:buFont typeface="Arial"/>
+              <a:buChar char="▶︎"/>
+            </a:pPr>
+            <a:r>
+              <a:t>Es macht aber einen guten Eindruck, die Erhebungsplanung auf einem geeigneten Repositorium (wie </a:t>
+            </a:r>
+            <a:r>
+              <a:rPr u="sng">
+                <a:solidFill>
+                  <a:srgbClr val="0070C0"/>
+                </a:solidFill>
+                <a:uFill>
+                  <a:solidFill>
+                    <a:srgbClr val="0070C0"/>
+                  </a:solidFill>
+                </a:uFill>
+                <a:hlinkClick r:id="rId2" invalidUrl="" action="" tgtFrame="" tooltip="" history="1" highlightClick="0" endSnd="0"/>
+              </a:rPr>
+              <a:t>osf.io</a:t>
+            </a:r>
+            <a:r>
+              <a:t>) einzureichen.</a:t>
+            </a:r>
+          </a:p>
+          <a:p>
+            <a:pPr/>
+            <a:r>
+              <a:t>In der Bayes-Statistik ist die Fallzahlplanung daher nicht zwingend nötig.</a:t>
+            </a:r>
+          </a:p>
+        </p:txBody>
+      </p:sp>
+      <p:sp>
+        <p:nvSpPr>
+          <p:cNvPr id="256" name="Vasishth, S., Yadav, H., Schad, D. J., &amp; Nicenboim, B. (2022). Sample Size Determination for Bayesian Hierarchical Models Commonly Used in Psycholinguistics. Computational Brain &amp; Behavior. https://doi.org/10.1007/s42113-021-00125-y"/>
+          <p:cNvSpPr txBox="1"/>
+          <p:nvPr/>
+        </p:nvSpPr>
+        <p:spPr>
+          <a:xfrm>
+            <a:off x="205049" y="8974627"/>
+            <a:ext cx="11717828" cy="663449"/>
+          </a:xfrm>
+          <a:prstGeom prst="rect">
+            <a:avLst/>
+          </a:prstGeom>
+          <a:ln w="12700">
+            <a:miter lim="400000"/>
+          </a:ln>
+          <a:extLst>
+            <a:ext uri="{C572A759-6A51-4108-AA02-DFA0A04FC94B}">
+              <ma14:wrappingTextBoxFlag xmlns:ma14="http://schemas.microsoft.com/office/mac/drawingml/2011/main" val="1"/>
+            </a:ext>
+          </a:extLst>
+        </p:spPr>
+        <p:txBody>
+          <a:bodyPr lIns="65023" tIns="65023" rIns="65023" bIns="65023">
+            <a:spAutoFit/>
+          </a:bodyPr>
+          <a:lstStyle/>
+          <a:p>
+            <a:pPr algn="l" defTabSz="457200">
+              <a:defRPr sz="1200">
+                <a:ln w="0" cap="flat">
+                  <a:solidFill>
+                    <a:srgbClr val="000000"/>
+                  </a:solidFill>
+                  <a:prstDash val="solid"/>
+                  <a:miter lim="400000"/>
+                </a:ln>
+                <a:solidFill>
+                  <a:srgbClr val="414141"/>
+                </a:solidFill>
+                <a:latin typeface="Times Roman"/>
+                <a:ea typeface="Times Roman"/>
+                <a:cs typeface="Times Roman"/>
+                <a:sym typeface="Times Roman"/>
+              </a:defRPr>
+            </a:pPr>
+            <a:r>
+              <a:rPr>
+                <a:solidFill>
+                  <a:srgbClr val="000000"/>
+                </a:solidFill>
+              </a:rPr>
+              <a:t>Vasishth, S., Yadav, H., Schad, D. J., &amp; Nicenboim, B. (2022). Sample Size Determination for Bayesian Hierarchical Models Commonly Used in Psycholinguistics. </a:t>
+            </a:r>
+            <a:r>
+              <a:rPr i="1">
+                <a:solidFill>
+                  <a:srgbClr val="000000"/>
+                </a:solidFill>
+              </a:rPr>
+              <a:t>Computational Brain &amp; Behavior</a:t>
+            </a:r>
+            <a:r>
+              <a:rPr>
+                <a:solidFill>
+                  <a:srgbClr val="000000"/>
+                </a:solidFill>
+              </a:rPr>
+              <a:t>. </a:t>
+            </a:r>
+            <a:r>
+              <a:rPr u="sng">
+                <a:solidFill>
+                  <a:srgbClr val="0000EE"/>
+                </a:solidFill>
+                <a:hlinkClick r:id="rId3" invalidUrl="" action="" tgtFrame="" tooltip="" history="1" highlightClick="0" endSnd="0"/>
+              </a:rPr>
+              <a:t>https://doi.org/10.1007/s42113-021-00125-y</a:t>
+            </a:r>
+            <a:endParaRPr>
+              <a:solidFill>
+                <a:srgbClr val="000000"/>
+              </a:solidFill>
+            </a:endParaRPr>
           </a:p>
         </p:txBody>
       </p:sp>
@@ -7773,7 +8030,7 @@
       </p:grpSpPr>
       <p:sp>
         <p:nvSpPr>
-          <p:cNvPr id="256" name="Foliennummer"/>
+          <p:cNvPr id="258" name="Foliennummer"/>
           <p:cNvSpPr txBox="1"/>
           <p:nvPr>
             <p:ph type="sldNum" sz="quarter" idx="2"/>
@@ -7800,10 +8057,10 @@
       </p:sp>
       <p:sp>
         <p:nvSpPr>
-          <p:cNvPr id="257" name="Ansätze der Fallzahlplanung"/>
+          <p:cNvPr id="259" name="Methoden der Fallzahlplanung"/>
           <p:cNvSpPr txBox="1"/>
           <p:nvPr>
-            <p:ph type="body" idx="21"/>
+            <p:ph type="title"/>
           </p:nvPr>
         </p:nvSpPr>
         <p:spPr>
@@ -7817,241 +8074,7 @@
           <a:p>
             <a:pPr/>
             <a:r>
-              <a:t>Ansätze der Fallzahlplanung</a:t>
-            </a:r>
-          </a:p>
-        </p:txBody>
-      </p:sp>
-      <p:sp>
-        <p:nvSpPr>
-          <p:cNvPr id="258" name="Methode 1: Mehrebenenmodelle (Multi-Level-Modellierung)…"/>
-          <p:cNvSpPr txBox="1"/>
-          <p:nvPr>
-            <p:ph type="body" idx="22"/>
-          </p:nvPr>
-        </p:nvSpPr>
-        <p:spPr>
-          <a:xfrm>
-            <a:off x="282297" y="1905000"/>
-            <a:ext cx="12440206" cy="7309383"/>
-          </a:xfrm>
-          <a:prstGeom prst="rect">
-            <a:avLst/>
-          </a:prstGeom>
-        </p:spPr>
-        <p:txBody>
-          <a:bodyPr/>
-          <a:lstStyle/>
-          <a:p>
-            <a:pPr marL="497840" marR="124460" indent="-373380" defTabSz="1274470">
-              <a:spcBef>
-                <a:spcPts val="900"/>
-              </a:spcBef>
-              <a:defRPr sz="2352"/>
-            </a:pPr>
-            <a:r>
-              <a:rPr>
-                <a:latin typeface="Roboto Condensed Bold"/>
-                <a:ea typeface="Roboto Condensed Bold"/>
-                <a:cs typeface="Roboto Condensed Bold"/>
-                <a:sym typeface="Roboto Condensed Bold"/>
-              </a:rPr>
-              <a:t>Methode 1: Mehrebenenmodelle</a:t>
-            </a:r>
-            <a:r>
-              <a:t> (Multi-Level-Modellierung)</a:t>
-            </a:r>
-          </a:p>
-          <a:p>
-            <a:pPr lvl="1" marL="796544" marR="124460" indent="-224027" defTabSz="1274470">
-              <a:spcBef>
-                <a:spcPts val="900"/>
-              </a:spcBef>
-              <a:buClr>
-                <a:schemeClr val="accent5"/>
-              </a:buClr>
-              <a:buFont typeface="Arial"/>
-              <a:buChar char="▶︎"/>
-              <a:defRPr sz="2352"/>
-            </a:pPr>
-            <a:r>
-              <a:t>Mit Multi-Level-Modellen können Falsch-Positiv-Ergebnisse vermieden werden.</a:t>
-            </a:r>
-          </a:p>
-          <a:p>
-            <a:pPr lvl="1" marL="796544" marR="124460" indent="-224027" defTabSz="1274470">
-              <a:spcBef>
-                <a:spcPts val="900"/>
-              </a:spcBef>
-              <a:buClr>
-                <a:schemeClr val="accent5"/>
-              </a:buClr>
-              <a:buFont typeface="Arial"/>
-              <a:buChar char="▶︎"/>
-              <a:defRPr sz="2352"/>
-            </a:pPr>
-            <a:r>
-              <a:t>Betrügen kann damit nicht kontrolliert werden.</a:t>
-            </a:r>
-          </a:p>
-          <a:p>
-            <a:pPr lvl="1" marL="796544" marR="124460" indent="-224027" defTabSz="1274470">
-              <a:spcBef>
-                <a:spcPts val="900"/>
-              </a:spcBef>
-              <a:buClr>
-                <a:schemeClr val="accent5"/>
-              </a:buClr>
-              <a:buFont typeface="Arial"/>
-              <a:buChar char="▶︎"/>
-              <a:defRPr sz="2352"/>
-            </a:pPr>
-            <a:r>
-              <a:t>Statistisch ein schöner Weg, in Bayes recht einfach darzustellen.</a:t>
-            </a:r>
-          </a:p>
-          <a:p>
-            <a:pPr lvl="1" marL="796544" marR="124460" indent="-224027" defTabSz="1274470">
-              <a:spcBef>
-                <a:spcPts val="900"/>
-              </a:spcBef>
-              <a:buClr>
-                <a:schemeClr val="accent5"/>
-              </a:buClr>
-              <a:buFont typeface="Arial"/>
-              <a:buChar char="▶︎"/>
-              <a:defRPr sz="2352"/>
-            </a:pPr>
-            <a:r>
-              <a:t>Hier nicht weiter betrachtet, der Einfachheit halber.</a:t>
-            </a:r>
-          </a:p>
-          <a:p>
-            <a:pPr marL="497840" marR="124460" indent="-373380" defTabSz="1274470">
-              <a:spcBef>
-                <a:spcPts val="900"/>
-              </a:spcBef>
-              <a:defRPr sz="2352">
-                <a:latin typeface="Roboto Condensed Bold"/>
-                <a:ea typeface="Roboto Condensed Bold"/>
-                <a:cs typeface="Roboto Condensed Bold"/>
-                <a:sym typeface="Roboto Condensed Bold"/>
-              </a:defRPr>
-            </a:pPr>
-            <a:r>
-              <a:t>Methode 2: Simulation</a:t>
-            </a:r>
-          </a:p>
-          <a:p>
-            <a:pPr lvl="1" marL="796544" marR="124460" indent="-224027" defTabSz="1274470">
-              <a:spcBef>
-                <a:spcPts val="900"/>
-              </a:spcBef>
-              <a:buClr>
-                <a:schemeClr val="accent5"/>
-              </a:buClr>
-              <a:buFont typeface="Arial"/>
-              <a:buChar char="▶︎"/>
-              <a:defRPr sz="2352"/>
-            </a:pPr>
-            <a:r>
-              <a:t>Auf Basis unseres Modells (Prior und Likelihood) simuliert man sich viele Stichproben</a:t>
-            </a:r>
-          </a:p>
-          <a:p>
-            <a:pPr lvl="1" marL="796544" marR="124460" indent="-224027" defTabSz="1274470">
-              <a:spcBef>
-                <a:spcPts val="900"/>
-              </a:spcBef>
-              <a:buClr>
-                <a:schemeClr val="accent5"/>
-              </a:buClr>
-              <a:buFont typeface="Arial"/>
-              <a:buChar char="▶︎"/>
-              <a:defRPr sz="2352"/>
-            </a:pPr>
-            <a:r>
-              <a:t>Dann schaut man, bei welchem N die Mehrzahl dieser Stichproben einen Effekt mit gewünschter Präzision/Power finden</a:t>
-            </a:r>
-          </a:p>
-          <a:p>
-            <a:pPr marL="497840" marR="124460" indent="-373380" defTabSz="1274470">
-              <a:spcBef>
-                <a:spcPts val="900"/>
-              </a:spcBef>
-              <a:defRPr sz="2352">
-                <a:latin typeface="Roboto Condensed Bold"/>
-                <a:ea typeface="Roboto Condensed Bold"/>
-                <a:cs typeface="Roboto Condensed Bold"/>
-                <a:sym typeface="Roboto Condensed Bold"/>
-              </a:defRPr>
-            </a:pPr>
-            <a:r>
-              <a:t>Methode 3: Ausrechnen</a:t>
-            </a:r>
-          </a:p>
-          <a:p>
-            <a:pPr lvl="1" marL="796544" marR="124460" indent="-224027" defTabSz="1274470">
-              <a:spcBef>
-                <a:spcPts val="900"/>
-              </a:spcBef>
-              <a:buClr>
-                <a:schemeClr val="accent5"/>
-              </a:buClr>
-              <a:buFont typeface="Arial"/>
-              <a:buChar char="▶︎"/>
-              <a:defRPr sz="2352"/>
-            </a:pPr>
-            <a:r>
-              <a:t>Je nach Modell kann man die benötigte Stichprobengröße (N) ausrechnen</a:t>
-            </a:r>
-          </a:p>
-          <a:p>
-            <a:pPr lvl="1" marL="796544" marR="124460" indent="-224027" defTabSz="1274470">
-              <a:spcBef>
-                <a:spcPts val="900"/>
-              </a:spcBef>
-              <a:buClr>
-                <a:schemeClr val="accent5"/>
-              </a:buClr>
-              <a:buFont typeface="Arial"/>
-              <a:buChar char="▶︎"/>
-              <a:defRPr sz="2352"/>
-            </a:pPr>
-            <a:r>
-              <a:t>Gute Nachricht: Das haben schon Menschen vor uns gemacht und es uns bereitgestellt.</a:t>
-            </a:r>
-          </a:p>
-          <a:p>
-            <a:pPr lvl="1" marL="796544" marR="124460" indent="-224027" defTabSz="1274470">
-              <a:spcBef>
-                <a:spcPts val="900"/>
-              </a:spcBef>
-              <a:buClr>
-                <a:schemeClr val="accent5"/>
-              </a:buClr>
-              <a:buFont typeface="Arial"/>
-              <a:buChar char="▶︎"/>
-              <a:defRPr sz="2352"/>
-            </a:pPr>
-            <a:r>
-              <a:t>Schlechte Nachricht: Leider zumeist nur für frequentistische Tests, nicht für für Bayes-Verfahren.</a:t>
-            </a:r>
-          </a:p>
-          <a:p>
-            <a:pPr lvl="1" marL="796544" marR="124460" indent="-224027" defTabSz="1274470">
-              <a:spcBef>
-                <a:spcPts val="900"/>
-              </a:spcBef>
-              <a:buClr>
-                <a:schemeClr val="accent5"/>
-              </a:buClr>
-              <a:buFont typeface="Arial"/>
-              <a:buChar char="▶︎"/>
-              <a:defRPr sz="2352"/>
-            </a:pPr>
-            <a:r>
-              <a:t>Im Folgenden werden wir diese Werte als grobe Schätzwerte für Bayes-Verfahren hernehmen (und hoffen  das Beste).</a:t>
+              <a:t>Methoden der Fallzahlplanung</a:t>
             </a:r>
           </a:p>
         </p:txBody>
@@ -8084,7 +8107,7 @@
       </p:grpSpPr>
       <p:sp>
         <p:nvSpPr>
-          <p:cNvPr id="260" name="Foliennummer"/>
+          <p:cNvPr id="261" name="Foliennummer"/>
           <p:cNvSpPr txBox="1"/>
           <p:nvPr>
             <p:ph type="sldNum" sz="quarter" idx="2"/>
@@ -8111,7 +8134,7 @@
       </p:sp>
       <p:sp>
         <p:nvSpPr>
-          <p:cNvPr id="261" name="Simulation von Daten"/>
+          <p:cNvPr id="262" name="Ansätze der Fallzahlplanung"/>
           <p:cNvSpPr txBox="1"/>
           <p:nvPr>
             <p:ph type="body" idx="21"/>
@@ -8128,20 +8151,24 @@
           <a:p>
             <a:pPr/>
             <a:r>
-              <a:t>Simulation von Daten</a:t>
-            </a:r>
-          </a:p>
-        </p:txBody>
-      </p:sp>
-      <p:sp>
-        <p:nvSpPr>
-          <p:cNvPr id="262" name="Bestimmte eine Verteilung für den gesuchten Parameter, z.B. IQ = N(100, 15)…"/>
+              <a:t>Ansätze der Fallzahlplanung</a:t>
+            </a:r>
+          </a:p>
+        </p:txBody>
+      </p:sp>
+      <p:sp>
+        <p:nvSpPr>
+          <p:cNvPr id="263" name="Methode 1: Mehrebenenmodelle (Multi-Level-Modellierung)…"/>
           <p:cNvSpPr txBox="1"/>
           <p:nvPr>
             <p:ph type="body" idx="22"/>
           </p:nvPr>
         </p:nvSpPr>
         <p:spPr>
+          <a:xfrm>
+            <a:off x="282297" y="1905000"/>
+            <a:ext cx="12440206" cy="7309383"/>
+          </a:xfrm>
           <a:prstGeom prst="rect">
             <a:avLst/>
           </a:prstGeom>
@@ -8150,188 +8177,216 @@
           <a:bodyPr/>
           <a:lstStyle/>
           <a:p>
-            <a:pPr marL="447842" indent="-320842">
-              <a:buClrTx/>
-              <a:buSzPct val="100000"/>
-              <a:buFontTx/>
-              <a:buAutoNum type="arabicPeriod" startAt="1"/>
+            <a:pPr marL="497840" marR="124460" indent="-373380" defTabSz="1274470">
+              <a:spcBef>
+                <a:spcPts val="900"/>
+              </a:spcBef>
+              <a:defRPr sz="2352"/>
             </a:pPr>
             <a:r>
-              <a:t>Bestimmte eine Verteilung für den gesuchten Parameter, z.B. IQ = N(100, 15)</a:t>
-            </a:r>
-          </a:p>
-          <a:p>
-            <a:pPr marL="447842" indent="-320842">
-              <a:buClrTx/>
-              <a:buSzPct val="100000"/>
-              <a:buFontTx/>
-              <a:buAutoNum type="arabicPeriod" startAt="1"/>
+              <a:rPr>
+                <a:latin typeface="Roboto Condensed Bold"/>
+                <a:ea typeface="Roboto Condensed Bold"/>
+                <a:cs typeface="Roboto Condensed Bold"/>
+                <a:sym typeface="Roboto Condensed Bold"/>
+              </a:rPr>
+              <a:t>Methode 1: Mehrebenenmodelle</a:t>
+            </a:r>
+            <a:r>
+              <a:t> (Multi-Level-Modellierung)</a:t>
+            </a:r>
+          </a:p>
+          <a:p>
+            <a:pPr lvl="1" marL="796544" marR="124460" indent="-224027" defTabSz="1274470">
+              <a:spcBef>
+                <a:spcPts val="900"/>
+              </a:spcBef>
+              <a:buClr>
+                <a:schemeClr val="accent5"/>
+              </a:buClr>
+              <a:buFont typeface="Arial"/>
+              <a:buChar char="▶︎"/>
+              <a:defRPr sz="2352"/>
             </a:pPr>
             <a:r>
-              <a:t>Bestimmte Entscheidungskriterium (z.B. HDI schmäler als 10 IQ-Punkte)</a:t>
-            </a:r>
-          </a:p>
-          <a:p>
-            <a:pPr marL="447842" indent="-320842">
-              <a:buClrTx/>
-              <a:buSzPct val="100000"/>
-              <a:buFontTx/>
-              <a:buAutoNum type="arabicPeriod" startAt="1"/>
+              <a:t>Mit Multi-Level-Modellen können Falsch-Positiv-Ergebnisse vermieden werden.</a:t>
+            </a:r>
+          </a:p>
+          <a:p>
+            <a:pPr lvl="1" marL="796544" marR="124460" indent="-224027" defTabSz="1274470">
+              <a:spcBef>
+                <a:spcPts val="900"/>
+              </a:spcBef>
+              <a:buClr>
+                <a:schemeClr val="accent5"/>
+              </a:buClr>
+              <a:buFont typeface="Arial"/>
+              <a:buChar char="▶︎"/>
+              <a:defRPr sz="2352"/>
             </a:pPr>
             <a:r>
-              <a:t>Dann wiederhole für steigende Stichproben-Größen (N):</a:t>
-            </a:r>
-          </a:p>
-          <a:p>
-            <a:pPr lvl="1" marL="955842" indent="-320842">
-              <a:buSzPct val="100000"/>
-              <a:buAutoNum type="arabicPeriod" startAt="1"/>
+              <a:t>Betrügen kann damit nicht kontrolliert werden.</a:t>
+            </a:r>
+          </a:p>
+          <a:p>
+            <a:pPr lvl="1" marL="796544" marR="124460" indent="-224027" defTabSz="1274470">
+              <a:spcBef>
+                <a:spcPts val="900"/>
+              </a:spcBef>
+              <a:buClr>
+                <a:schemeClr val="accent5"/>
+              </a:buClr>
+              <a:buFont typeface="Arial"/>
+              <a:buChar char="▶︎"/>
+              <a:defRPr sz="2352"/>
             </a:pPr>
             <a:r>
-              <a:t>Simuliere eine Prior-Prädiktiv-Verteilung oft (z.B. n</a:t>
-            </a:r>
-            <a:r>
-              <a:rPr baseline="-5999"/>
-              <a:t>iter</a:t>
-            </a:r>
-            <a:r>
-              <a:t>=100) für eine bestimmte Stichprobengröße n</a:t>
-            </a:r>
-          </a:p>
-          <a:p>
-            <a:pPr lvl="1" marL="955842" indent="-320842">
-              <a:buSzPct val="100000"/>
-              <a:buAutoNum type="arabicPeriod" startAt="1"/>
+              <a:t>Statistisch ein schöner Weg, in Bayes recht einfach darzustellen.</a:t>
+            </a:r>
+          </a:p>
+          <a:p>
+            <a:pPr lvl="1" marL="796544" marR="124460" indent="-224027" defTabSz="1274470">
+              <a:spcBef>
+                <a:spcPts val="900"/>
+              </a:spcBef>
+              <a:buClr>
+                <a:schemeClr val="accent5"/>
+              </a:buClr>
+              <a:buFont typeface="Arial"/>
+              <a:buChar char="▶︎"/>
+              <a:defRPr sz="2352"/>
             </a:pPr>
             <a:r>
-              <a:t>Berechne dein Modell mit vagen Priors and berechne die Posteriori-Verteilung</a:t>
-            </a:r>
-          </a:p>
-          <a:p>
-            <a:pPr lvl="1" marL="955842" indent="-320842">
-              <a:buSzPct val="100000"/>
-              <a:buAutoNum type="arabicPeriod" startAt="1"/>
-            </a:pPr>
-            <a:r>
-              <a:t>Erstelle ein Konfidenzintervall mit den Schätzwerten, ist es schmäler als der Grenzwert, bist du fertig, sonst mache weiter mit größerem n</a:t>
-            </a:r>
-          </a:p>
-        </p:txBody>
-      </p:sp>
-      <p:pic>
-        <p:nvPicPr>
-          <p:cNvPr id="263" name="Bild" descr="Bild"/>
-          <p:cNvPicPr>
-            <a:picLocks noChangeAspect="1"/>
-          </p:cNvPicPr>
-          <p:nvPr/>
-        </p:nvPicPr>
-        <p:blipFill>
-          <a:blip r:embed="rId2">
-            <a:extLst/>
-          </a:blip>
-          <a:stretch>
-            <a:fillRect/>
-          </a:stretch>
-        </p:blipFill>
-        <p:spPr>
-          <a:xfrm>
-            <a:off x="187787" y="2009917"/>
-            <a:ext cx="4869206" cy="6350001"/>
-          </a:xfrm>
-          <a:prstGeom prst="rect">
-            <a:avLst/>
-          </a:prstGeom>
-          <a:ln w="12700">
-            <a:miter lim="400000"/>
-          </a:ln>
-        </p:spPr>
-      </p:pic>
-      <p:sp>
-        <p:nvSpPr>
-          <p:cNvPr id="264" name="Vasishth, S., Yadav, H., Schad, D. J., &amp; Nicenboim, B. (2022). Sample Size Determination for Bayesian Hierarchical Models Commonly Used in Psycholinguistics. Computational Brain &amp; Behavior. https://doi.org/10.1007/s42113-021-00125-y"/>
-          <p:cNvSpPr txBox="1"/>
-          <p:nvPr/>
-        </p:nvSpPr>
-        <p:spPr>
-          <a:xfrm>
-            <a:off x="141549" y="8974627"/>
-            <a:ext cx="11298913" cy="663449"/>
-          </a:xfrm>
-          <a:prstGeom prst="rect">
-            <a:avLst/>
-          </a:prstGeom>
-          <a:ln w="12700">
-            <a:miter lim="400000"/>
-          </a:ln>
-          <a:extLst>
-            <a:ext uri="{C572A759-6A51-4108-AA02-DFA0A04FC94B}">
-              <ma14:wrappingTextBoxFlag xmlns:ma14="http://schemas.microsoft.com/office/mac/drawingml/2011/main" val="1"/>
-            </a:ext>
-          </a:extLst>
-        </p:spPr>
-        <p:txBody>
-          <a:bodyPr lIns="65023" tIns="65023" rIns="65023" bIns="65023">
-            <a:spAutoFit/>
-          </a:bodyPr>
-          <a:lstStyle/>
-          <a:p>
-            <a:pPr algn="l" defTabSz="457200">
-              <a:defRPr sz="1200">
-                <a:ln w="0" cap="flat">
-                  <a:solidFill>
-                    <a:srgbClr val="000000"/>
-                  </a:solidFill>
-                  <a:prstDash val="solid"/>
-                  <a:miter lim="400000"/>
-                </a:ln>
-                <a:solidFill>
-                  <a:srgbClr val="414141"/>
-                </a:solidFill>
-                <a:latin typeface="Times Roman"/>
-                <a:ea typeface="Times Roman"/>
-                <a:cs typeface="Times Roman"/>
-                <a:sym typeface="Times Roman"/>
+              <a:t>Hier nicht weiter betrachtet, der Einfachheit halber.</a:t>
+            </a:r>
+          </a:p>
+          <a:p>
+            <a:pPr marL="497840" marR="124460" indent="-373380" defTabSz="1274470">
+              <a:spcBef>
+                <a:spcPts val="900"/>
+              </a:spcBef>
+              <a:defRPr sz="2352">
+                <a:latin typeface="Roboto Condensed Bold"/>
+                <a:ea typeface="Roboto Condensed Bold"/>
+                <a:cs typeface="Roboto Condensed Bold"/>
+                <a:sym typeface="Roboto Condensed Bold"/>
               </a:defRPr>
             </a:pPr>
             <a:r>
-              <a:rPr>
-                <a:solidFill>
-                  <a:srgbClr val="000000"/>
-                </a:solidFill>
-              </a:rPr>
-              <a:t>Vasishth, S., Yadav, H., Schad, D. J., &amp; Nicenboim, B. (2022). Sample Size Determination for Bayesian Hierarchical Models Commonly Used in Psycholinguistics. </a:t>
-            </a:r>
-            <a:r>
-              <a:rPr i="1">
-                <a:solidFill>
-                  <a:srgbClr val="000000"/>
-                </a:solidFill>
-              </a:rPr>
-              <a:t>Computational Brain &amp; Behavior</a:t>
-            </a:r>
-            <a:r>
-              <a:rPr>
-                <a:solidFill>
-                  <a:srgbClr val="000000"/>
-                </a:solidFill>
-              </a:rPr>
-              <a:t>. </a:t>
-            </a:r>
-            <a:r>
-              <a:rPr u="sng">
-                <a:solidFill>
-                  <a:srgbClr val="0000EE"/>
-                </a:solidFill>
-                <a:hlinkClick r:id="rId3" invalidUrl="" action="" tgtFrame="" tooltip="" history="1" highlightClick="0" endSnd="0"/>
-              </a:rPr>
-              <a:t>https://doi.org/10.1007/s42113-021-00125-y</a:t>
-            </a:r>
-            <a:endParaRPr>
-              <a:solidFill>
-                <a:srgbClr val="000000"/>
-              </a:solidFill>
-            </a:endParaRPr>
+              <a:t>Methode 2: Simulation</a:t>
+            </a:r>
+          </a:p>
+          <a:p>
+            <a:pPr lvl="1" marL="796544" marR="124460" indent="-224027" defTabSz="1274470">
+              <a:spcBef>
+                <a:spcPts val="900"/>
+              </a:spcBef>
+              <a:buClr>
+                <a:schemeClr val="accent5"/>
+              </a:buClr>
+              <a:buFont typeface="Arial"/>
+              <a:buChar char="▶︎"/>
+              <a:defRPr sz="2352"/>
+            </a:pPr>
+            <a:r>
+              <a:t>Auf Basis unseres Modells (Prior und Likelihood) simuliert man sich viele Stichproben</a:t>
+            </a:r>
+          </a:p>
+          <a:p>
+            <a:pPr lvl="1" marL="796544" marR="124460" indent="-224027" defTabSz="1274470">
+              <a:spcBef>
+                <a:spcPts val="900"/>
+              </a:spcBef>
+              <a:buClr>
+                <a:schemeClr val="accent5"/>
+              </a:buClr>
+              <a:buFont typeface="Arial"/>
+              <a:buChar char="▶︎"/>
+              <a:defRPr sz="2352"/>
+            </a:pPr>
+            <a:r>
+              <a:t>Dann schaut man, bei welchem N die Mehrzahl dieser Stichproben einen Effekt mit gewünschter Präzision/Power finden</a:t>
+            </a:r>
+          </a:p>
+          <a:p>
+            <a:pPr marL="497840" marR="124460" indent="-373380" defTabSz="1274470">
+              <a:spcBef>
+                <a:spcPts val="900"/>
+              </a:spcBef>
+              <a:defRPr sz="2352">
+                <a:latin typeface="Roboto Condensed Bold"/>
+                <a:ea typeface="Roboto Condensed Bold"/>
+                <a:cs typeface="Roboto Condensed Bold"/>
+                <a:sym typeface="Roboto Condensed Bold"/>
+              </a:defRPr>
+            </a:pPr>
+            <a:r>
+              <a:t>Methode 3: Ausrechnen</a:t>
+            </a:r>
+          </a:p>
+          <a:p>
+            <a:pPr lvl="1" marL="796544" marR="124460" indent="-224027" defTabSz="1274470">
+              <a:spcBef>
+                <a:spcPts val="900"/>
+              </a:spcBef>
+              <a:buClr>
+                <a:schemeClr val="accent5"/>
+              </a:buClr>
+              <a:buFont typeface="Arial"/>
+              <a:buChar char="▶︎"/>
+              <a:defRPr sz="2352"/>
+            </a:pPr>
+            <a:r>
+              <a:t>Je nach Modell kann man die benötigte Stichprobengröße (N) ausrechnen</a:t>
+            </a:r>
+          </a:p>
+          <a:p>
+            <a:pPr lvl="1" marL="796544" marR="124460" indent="-224027" defTabSz="1274470">
+              <a:spcBef>
+                <a:spcPts val="900"/>
+              </a:spcBef>
+              <a:buClr>
+                <a:schemeClr val="accent5"/>
+              </a:buClr>
+              <a:buFont typeface="Arial"/>
+              <a:buChar char="▶︎"/>
+              <a:defRPr sz="2352"/>
+            </a:pPr>
+            <a:r>
+              <a:t>Gute Nachricht: Das haben schon Menschen vor uns gemacht und es uns bereitgestellt.</a:t>
+            </a:r>
+          </a:p>
+          <a:p>
+            <a:pPr lvl="1" marL="796544" marR="124460" indent="-224027" defTabSz="1274470">
+              <a:spcBef>
+                <a:spcPts val="900"/>
+              </a:spcBef>
+              <a:buClr>
+                <a:schemeClr val="accent5"/>
+              </a:buClr>
+              <a:buFont typeface="Arial"/>
+              <a:buChar char="▶︎"/>
+              <a:defRPr sz="2352"/>
+            </a:pPr>
+            <a:r>
+              <a:t>Schlechte Nachricht: Leider zumeist nur für frequentistische Tests, nicht für für Bayes-Verfahren.</a:t>
+            </a:r>
+          </a:p>
+          <a:p>
+            <a:pPr lvl="1" marL="796544" marR="124460" indent="-224027" defTabSz="1274470">
+              <a:spcBef>
+                <a:spcPts val="900"/>
+              </a:spcBef>
+              <a:buClr>
+                <a:schemeClr val="accent5"/>
+              </a:buClr>
+              <a:buFont typeface="Arial"/>
+              <a:buChar char="▶︎"/>
+              <a:defRPr sz="2352"/>
+            </a:pPr>
+            <a:r>
+              <a:t>Im Folgenden werden wir diese Werte als grobe Schätzwerte für Bayes-Verfahren hernehmen (und hoffen  das Beste).</a:t>
+            </a:r>
           </a:p>
         </p:txBody>
       </p:sp>
@@ -8363,7 +8418,7 @@
       </p:grpSpPr>
       <p:sp>
         <p:nvSpPr>
-          <p:cNvPr id="266" name="Foliennummer"/>
+          <p:cNvPr id="265" name="Foliennummer"/>
           <p:cNvSpPr txBox="1"/>
           <p:nvPr>
             <p:ph type="sldNum" sz="quarter" idx="2"/>
@@ -8390,7 +8445,7 @@
       </p:sp>
       <p:sp>
         <p:nvSpPr>
-          <p:cNvPr id="267" name="Effektstärke in der Population muss bekannt (geschätzt) sein"/>
+          <p:cNvPr id="266" name="Einführung in die Mehrebenenanalyse"/>
           <p:cNvSpPr txBox="1"/>
           <p:nvPr>
             <p:ph type="body" idx="21"/>
@@ -8403,15 +8458,56 @@
         </p:spPr>
         <p:txBody>
           <a:bodyPr/>
+          <a:lstStyle/>
+          <a:p>
+            <a:pPr/>
+            <a:r>
+              <a:t>Einführung in die Mehrebenenanalyse</a:t>
+            </a:r>
+          </a:p>
+        </p:txBody>
+      </p:sp>
+      <p:sp>
+        <p:nvSpPr>
+          <p:cNvPr id="267" name="Methode 1"/>
+          <p:cNvSpPr/>
+          <p:nvPr/>
+        </p:nvSpPr>
+        <p:spPr>
+          <a:xfrm>
+            <a:off x="11581287" y="317500"/>
+            <a:ext cx="1212402" cy="663449"/>
+          </a:xfrm>
+          <a:prstGeom prst="roundRect">
+            <a:avLst>
+              <a:gd name="adj" fmla="val 19073"/>
+            </a:avLst>
+          </a:prstGeom>
+          <a:solidFill>
+            <a:schemeClr val="accent5">
+              <a:alpha val="25000"/>
+            </a:schemeClr>
+          </a:solidFill>
+          <a:ln w="12700">
+            <a:miter lim="400000"/>
+          </a:ln>
+          <a:extLst>
+            <a:ext uri="{C572A759-6A51-4108-AA02-DFA0A04FC94B}">
+              <ma14:wrappingTextBoxFlag xmlns:ma14="http://schemas.microsoft.com/office/mac/drawingml/2011/main" val="1"/>
+            </a:ext>
+          </a:extLst>
+        </p:spPr>
+        <p:txBody>
+          <a:bodyPr lIns="65023" tIns="65023" rIns="65023" bIns="65023" anchor="ctr"/>
           <a:lstStyle>
-            <a:lvl1pPr marL="106679" marR="106679" indent="106679" defTabSz="1092403">
-              <a:defRPr sz="5208"/>
+            <a:lvl1pPr>
+              <a:defRPr sz="1800"/>
             </a:lvl1pPr>
           </a:lstStyle>
           <a:p>
             <a:pPr/>
             <a:r>
-              <a:t>Effektstärke in der Population muss bekannt (geschätzt) sein</a:t>
+              <a:t>Methode 1</a:t>
             </a:r>
           </a:p>
         </p:txBody>
@@ -8434,8 +8530,8 @@
         </p:blipFill>
         <p:spPr>
           <a:xfrm>
-            <a:off x="1500227" y="2535685"/>
-            <a:ext cx="7679929" cy="6380046"/>
+            <a:off x="999407" y="2776217"/>
+            <a:ext cx="3382093" cy="4526284"/>
           </a:xfrm>
           <a:prstGeom prst="rect">
             <a:avLst/>
@@ -8445,16 +8541,26 @@
           </a:ln>
         </p:spPr>
       </p:pic>
-      <p:sp>
-        <p:nvSpPr>
-          <p:cNvPr id="269" name="… damit man die optionale Stichprobengröße berechnen kann."/>
-          <p:cNvSpPr txBox="1"/>
+      <p:pic>
+        <p:nvPicPr>
+          <p:cNvPr id="269" name="Bild" descr="Bild"/>
+          <p:cNvPicPr>
+            <a:picLocks noChangeAspect="1"/>
+          </p:cNvPicPr>
           <p:nvPr/>
-        </p:nvSpPr>
+        </p:nvPicPr>
+        <p:blipFill>
+          <a:blip r:embed="rId3">
+            <a:extLst/>
+          </a:blip>
+          <a:stretch>
+            <a:fillRect/>
+          </a:stretch>
+        </p:blipFill>
         <p:spPr>
           <a:xfrm>
-            <a:off x="570373" y="1667161"/>
-            <a:ext cx="7677371" cy="485649"/>
+            <a:off x="7764103" y="2679313"/>
+            <a:ext cx="2739534" cy="4394974"/>
           </a:xfrm>
           <a:prstGeom prst="rect">
             <a:avLst/>
@@ -8462,123 +8568,8 @@
           <a:ln w="12700">
             <a:miter lim="400000"/>
           </a:ln>
-          <a:extLst>
-            <a:ext uri="{C572A759-6A51-4108-AA02-DFA0A04FC94B}">
-              <ma14:wrappingTextBoxFlag xmlns:ma14="http://schemas.microsoft.com/office/mac/drawingml/2011/main" val="1"/>
-            </a:ext>
-          </a:extLst>
-        </p:spPr>
-        <p:txBody>
-          <a:bodyPr wrap="none" lIns="65023" tIns="65023" rIns="65023" bIns="65023">
-            <a:spAutoFit/>
-          </a:bodyPr>
-          <a:lstStyle>
-            <a:lvl1pPr marL="127000" marR="127000" algn="l" defTabSz="1300480">
-              <a:spcBef>
-                <a:spcPts val="1000"/>
-              </a:spcBef>
-            </a:lvl1pPr>
-          </a:lstStyle>
-          <a:p>
-            <a:pPr/>
-            <a:r>
-              <a:t>… damit man die optionale Stichprobengröße berechnen kann.</a:t>
-            </a:r>
-          </a:p>
-        </p:txBody>
-      </p:sp>
-      <p:sp>
-        <p:nvSpPr>
-          <p:cNvPr id="270" name="Für Regressionen kann man f2 verwenden."/>
-          <p:cNvSpPr txBox="1"/>
-          <p:nvPr/>
-        </p:nvSpPr>
-        <p:spPr>
-          <a:xfrm>
-            <a:off x="9598846" y="7111228"/>
-            <a:ext cx="2951646" cy="1196849"/>
-          </a:xfrm>
-          <a:prstGeom prst="rect">
-            <a:avLst/>
-          </a:prstGeom>
-          <a:ln w="12700">
-            <a:miter lim="400000"/>
-          </a:ln>
-          <a:extLst>
-            <a:ext uri="{C572A759-6A51-4108-AA02-DFA0A04FC94B}">
-              <ma14:wrappingTextBoxFlag xmlns:ma14="http://schemas.microsoft.com/office/mac/drawingml/2011/main" val="1"/>
-            </a:ext>
-          </a:extLst>
-        </p:spPr>
-        <p:txBody>
-          <a:bodyPr lIns="65023" tIns="65023" rIns="65023" bIns="65023">
-            <a:spAutoFit/>
-          </a:bodyPr>
-          <a:lstStyle/>
-          <a:p>
-            <a:pPr marL="127000" marR="127000" algn="l" defTabSz="1300480">
-              <a:spcBef>
-                <a:spcPts val="1000"/>
-              </a:spcBef>
-            </a:pPr>
-            <a:r>
-              <a:t>Für Regressionen kann man f</a:t>
-            </a:r>
-            <a:r>
-              <a:rPr baseline="31999"/>
-              <a:t>2</a:t>
-            </a:r>
-            <a:r>
-              <a:t> verwenden.</a:t>
-            </a:r>
-          </a:p>
-        </p:txBody>
-      </p:sp>
-      <p:sp>
-        <p:nvSpPr>
-          <p:cNvPr id="271" name="Cohen, J. (1992). A power primer. Psychological Bulletin, 112(1), 155–159."/>
-          <p:cNvSpPr txBox="1"/>
-          <p:nvPr/>
-        </p:nvSpPr>
-        <p:spPr>
-          <a:xfrm>
-            <a:off x="334684" y="9130351"/>
-            <a:ext cx="6837138" cy="352001"/>
-          </a:xfrm>
-          <a:prstGeom prst="rect">
-            <a:avLst/>
-          </a:prstGeom>
-          <a:ln w="12700">
-            <a:miter lim="400000"/>
-          </a:ln>
-          <a:extLst>
-            <a:ext uri="{C572A759-6A51-4108-AA02-DFA0A04FC94B}">
-              <ma14:wrappingTextBoxFlag xmlns:ma14="http://schemas.microsoft.com/office/mac/drawingml/2011/main" val="1"/>
-            </a:ext>
-          </a:extLst>
-        </p:spPr>
-        <p:txBody>
-          <a:bodyPr wrap="none" lIns="65023" tIns="65023" rIns="65023" bIns="65023">
-            <a:spAutoFit/>
-          </a:bodyPr>
-          <a:lstStyle>
-            <a:lvl1pPr algn="l">
-              <a:defRPr sz="1600">
-                <a:latin typeface="Arial"/>
-                <a:ea typeface="Arial"/>
-                <a:cs typeface="Arial"/>
-                <a:sym typeface="Arial"/>
-              </a:defRPr>
-            </a:lvl1pPr>
-          </a:lstStyle>
-          <a:p>
-            <a:pPr/>
-            <a:r>
-              <a:t>Cohen, J. (1992). A power primer. Psychological Bulletin, 112(1), 155–159.</a:t>
-            </a:r>
-          </a:p>
-        </p:txBody>
-      </p:sp>
+        </p:spPr>
+      </p:pic>
     </p:spTree>
   </p:cSld>
   <p:clrMapOvr>
@@ -8607,7 +8598,7 @@
       </p:grpSpPr>
       <p:sp>
         <p:nvSpPr>
-          <p:cNvPr id="273" name="Foliennummer"/>
+          <p:cNvPr id="271" name="Foliennummer"/>
           <p:cNvSpPr txBox="1"/>
           <p:nvPr>
             <p:ph type="sldNum" sz="quarter" idx="2"/>
@@ -8634,7 +8625,7 @@
       </p:sp>
       <p:sp>
         <p:nvSpPr>
-          <p:cNvPr id="274" name="Cohens Richtlinien zur Stichprobengröße"/>
+          <p:cNvPr id="272" name="Simulation von Daten"/>
           <p:cNvSpPr txBox="1"/>
           <p:nvPr>
             <p:ph type="body" idx="21"/>
@@ -8651,14 +8642,99 @@
           <a:p>
             <a:pPr/>
             <a:r>
-              <a:t>Cohens Richtlinien zur Stichprobengröße</a:t>
+              <a:t>Simulation von Daten</a:t>
+            </a:r>
+          </a:p>
+        </p:txBody>
+      </p:sp>
+      <p:sp>
+        <p:nvSpPr>
+          <p:cNvPr id="273" name="Bestimmte eine Verteilung für den gesuchten Parameter, z.B. IQ = N(100, 15)…"/>
+          <p:cNvSpPr txBox="1"/>
+          <p:nvPr>
+            <p:ph type="body" idx="22"/>
+          </p:nvPr>
+        </p:nvSpPr>
+        <p:spPr>
+          <a:prstGeom prst="rect">
+            <a:avLst/>
+          </a:prstGeom>
+        </p:spPr>
+        <p:txBody>
+          <a:bodyPr/>
+          <a:lstStyle/>
+          <a:p>
+            <a:pPr marL="447842" indent="-320842">
+              <a:buClrTx/>
+              <a:buSzPct val="100000"/>
+              <a:buFontTx/>
+              <a:buAutoNum type="arabicPeriod" startAt="1"/>
+            </a:pPr>
+            <a:r>
+              <a:t>Bestimmte eine Verteilung für den gesuchten Parameter, z.B. IQ = N(100, 15)</a:t>
+            </a:r>
+          </a:p>
+          <a:p>
+            <a:pPr marL="447842" indent="-320842">
+              <a:buClrTx/>
+              <a:buSzPct val="100000"/>
+              <a:buFontTx/>
+              <a:buAutoNum type="arabicPeriod" startAt="1"/>
+            </a:pPr>
+            <a:r>
+              <a:t>Bestimmte Entscheidungskriterium (z.B. HDI schmäler als 10 IQ-Punkte)</a:t>
+            </a:r>
+          </a:p>
+          <a:p>
+            <a:pPr marL="447842" indent="-320842">
+              <a:buClrTx/>
+              <a:buSzPct val="100000"/>
+              <a:buFontTx/>
+              <a:buAutoNum type="arabicPeriod" startAt="1"/>
+            </a:pPr>
+            <a:r>
+              <a:t>Dann wiederhole für steigende Stichproben-Größen (N):</a:t>
+            </a:r>
+          </a:p>
+          <a:p>
+            <a:pPr lvl="1" marL="955842" indent="-320842">
+              <a:buSzPct val="100000"/>
+              <a:buAutoNum type="arabicPeriod" startAt="1"/>
+            </a:pPr>
+            <a:r>
+              <a:t>Simuliere eine Prior-Prädiktiv-Verteilung oft (z.B. n</a:t>
+            </a:r>
+            <a:r>
+              <a:rPr baseline="-5999"/>
+              <a:t>iter</a:t>
+            </a:r>
+            <a:r>
+              <a:t>=100) für eine bestimmte Stichprobengröße n</a:t>
+            </a:r>
+          </a:p>
+          <a:p>
+            <a:pPr lvl="1" marL="955842" indent="-320842">
+              <a:buSzPct val="100000"/>
+              <a:buAutoNum type="arabicPeriod" startAt="1"/>
+            </a:pPr>
+            <a:r>
+              <a:t>Berechne dein Modell mit vagen Priors and berechne die Posteriori-Verteilung</a:t>
+            </a:r>
+          </a:p>
+          <a:p>
+            <a:pPr lvl="1" marL="955842" indent="-320842">
+              <a:buSzPct val="100000"/>
+              <a:buAutoNum type="arabicPeriod" startAt="1"/>
+            </a:pPr>
+            <a:r>
+              <a:t>Erstelle ein Konfidenzintervall mit den Schätzwerten, ist es schmäler als der Grenzwert, bist du fertig, sonst mache weiter mit größerem n</a:t>
             </a:r>
           </a:p>
         </p:txBody>
       </p:sp>
       <p:pic>
         <p:nvPicPr>
-          <p:cNvPr id="275" name="Bild" descr="Bild"/>
+          <p:cNvPr id="274" name="Bild" descr="Bild"/>
           <p:cNvPicPr>
             <a:picLocks noChangeAspect="1"/>
           </p:cNvPicPr>
@@ -8674,8 +8750,8 @@
         </p:blipFill>
         <p:spPr>
           <a:xfrm>
-            <a:off x="2900074" y="1715347"/>
-            <a:ext cx="8028680" cy="7107149"/>
+            <a:off x="187787" y="2009917"/>
+            <a:ext cx="4869206" cy="6350001"/>
           </a:xfrm>
           <a:prstGeom prst="rect">
             <a:avLst/>
@@ -8687,14 +8763,14 @@
       </p:pic>
       <p:sp>
         <p:nvSpPr>
-          <p:cNvPr id="276" name="Cohen, J. (1992). A power primer. Psychological Bulletin, 112(1), 155–159."/>
+          <p:cNvPr id="275" name="Vasishth, S., Yadav, H., Schad, D. J., &amp; Nicenboim, B. (2022). Sample Size Determination for Bayesian Hierarchical Models Commonly Used in Psycholinguistics. Computational Brain &amp; Behavior. https://doi.org/10.1007/s42113-021-00125-y"/>
           <p:cNvSpPr txBox="1"/>
           <p:nvPr/>
         </p:nvSpPr>
         <p:spPr>
           <a:xfrm>
-            <a:off x="512484" y="9130351"/>
-            <a:ext cx="6837138" cy="352001"/>
+            <a:off x="141549" y="8974627"/>
+            <a:ext cx="11298913" cy="663449"/>
           </a:xfrm>
           <a:prstGeom prst="rect">
             <a:avLst/>
@@ -8709,23 +8785,111 @@
           </a:extLst>
         </p:spPr>
         <p:txBody>
-          <a:bodyPr wrap="none" lIns="65023" tIns="65023" rIns="65023" bIns="65023">
+          <a:bodyPr lIns="65023" tIns="65023" rIns="65023" bIns="65023">
             <a:spAutoFit/>
           </a:bodyPr>
+          <a:lstStyle/>
+          <a:p>
+            <a:pPr algn="l" defTabSz="457200">
+              <a:defRPr sz="1200">
+                <a:ln w="0" cap="flat">
+                  <a:solidFill>
+                    <a:srgbClr val="000000"/>
+                  </a:solidFill>
+                  <a:prstDash val="solid"/>
+                  <a:miter lim="400000"/>
+                </a:ln>
+                <a:solidFill>
+                  <a:srgbClr val="414141"/>
+                </a:solidFill>
+                <a:latin typeface="Times Roman"/>
+                <a:ea typeface="Times Roman"/>
+                <a:cs typeface="Times Roman"/>
+                <a:sym typeface="Times Roman"/>
+              </a:defRPr>
+            </a:pPr>
+            <a:r>
+              <a:rPr>
+                <a:solidFill>
+                  <a:srgbClr val="000000"/>
+                </a:solidFill>
+              </a:rPr>
+              <a:t>Vasishth, S., Yadav, H., Schad, D. J., &amp; Nicenboim, B. (2022). Sample Size Determination for Bayesian Hierarchical Models Commonly Used in Psycholinguistics. </a:t>
+            </a:r>
+            <a:r>
+              <a:rPr i="1">
+                <a:solidFill>
+                  <a:srgbClr val="000000"/>
+                </a:solidFill>
+              </a:rPr>
+              <a:t>Computational Brain &amp; Behavior</a:t>
+            </a:r>
+            <a:r>
+              <a:rPr>
+                <a:solidFill>
+                  <a:srgbClr val="000000"/>
+                </a:solidFill>
+              </a:rPr>
+              <a:t>. </a:t>
+            </a:r>
+            <a:r>
+              <a:rPr u="sng">
+                <a:solidFill>
+                  <a:srgbClr val="0000EE"/>
+                </a:solidFill>
+                <a:hlinkClick r:id="rId3" invalidUrl="" action="" tgtFrame="" tooltip="" history="1" highlightClick="0" endSnd="0"/>
+              </a:rPr>
+              <a:t>https://doi.org/10.1007/s42113-021-00125-y</a:t>
+            </a:r>
+            <a:endParaRPr>
+              <a:solidFill>
+                <a:srgbClr val="000000"/>
+              </a:solidFill>
+            </a:endParaRPr>
+          </a:p>
+        </p:txBody>
+      </p:sp>
+      <p:sp>
+        <p:nvSpPr>
+          <p:cNvPr id="276" name="Methode 2"/>
+          <p:cNvSpPr/>
+          <p:nvPr/>
+        </p:nvSpPr>
+        <p:spPr>
+          <a:xfrm>
+            <a:off x="11581287" y="317500"/>
+            <a:ext cx="1212402" cy="663449"/>
+          </a:xfrm>
+          <a:prstGeom prst="roundRect">
+            <a:avLst>
+              <a:gd name="adj" fmla="val 19073"/>
+            </a:avLst>
+          </a:prstGeom>
+          <a:solidFill>
+            <a:schemeClr val="accent5">
+              <a:alpha val="25000"/>
+            </a:schemeClr>
+          </a:solidFill>
+          <a:ln w="12700">
+            <a:miter lim="400000"/>
+          </a:ln>
+          <a:extLst>
+            <a:ext uri="{C572A759-6A51-4108-AA02-DFA0A04FC94B}">
+              <ma14:wrappingTextBoxFlag xmlns:ma14="http://schemas.microsoft.com/office/mac/drawingml/2011/main" val="1"/>
+            </a:ext>
+          </a:extLst>
+        </p:spPr>
+        <p:txBody>
+          <a:bodyPr lIns="65023" tIns="65023" rIns="65023" bIns="65023" anchor="ctr"/>
           <a:lstStyle>
-            <a:lvl1pPr algn="l">
-              <a:defRPr sz="1600">
-                <a:latin typeface="Arial"/>
-                <a:ea typeface="Arial"/>
-                <a:cs typeface="Arial"/>
-                <a:sym typeface="Arial"/>
-              </a:defRPr>
+            <a:lvl1pPr>
+              <a:defRPr sz="1800"/>
             </a:lvl1pPr>
           </a:lstStyle>
           <a:p>
             <a:pPr/>
             <a:r>
-              <a:t>Cohen, J. (1992). A power primer. Psychological Bulletin, 112(1), 155–159.</a:t>
+              <a:t>Methode 2</a:t>
             </a:r>
           </a:p>
         </p:txBody>
@@ -8785,7 +8949,7 @@
       </p:sp>
       <p:sp>
         <p:nvSpPr>
-          <p:cNvPr id="279" name="Präzision ist teuer"/>
+          <p:cNvPr id="279" name="Effektstärke in der Population muss bekannt (geschätzt) sein"/>
           <p:cNvSpPr txBox="1"/>
           <p:nvPr>
             <p:ph type="body" idx="21"/>
@@ -8798,11 +8962,15 @@
         </p:spPr>
         <p:txBody>
           <a:bodyPr/>
-          <a:lstStyle/>
+          <a:lstStyle>
+            <a:lvl1pPr marL="106679" marR="106679" indent="106679" defTabSz="1092403">
+              <a:defRPr sz="5208"/>
+            </a:lvl1pPr>
+          </a:lstStyle>
           <a:p>
             <a:pPr/>
             <a:r>
-              <a:t>Präzision ist teuer</a:t>
+              <a:t>Effektstärke in der Population muss bekannt (geschätzt) sein</a:t>
             </a:r>
           </a:p>
         </p:txBody>
@@ -8825,8 +8993,8 @@
         </p:blipFill>
         <p:spPr>
           <a:xfrm>
-            <a:off x="334778" y="2285076"/>
-            <a:ext cx="5819616" cy="3998566"/>
+            <a:off x="1500227" y="2535685"/>
+            <a:ext cx="7679929" cy="6380046"/>
           </a:xfrm>
           <a:prstGeom prst="rect">
             <a:avLst/>
@@ -8836,46 +9004,16 @@
           </a:ln>
         </p:spPr>
       </p:pic>
-      <p:pic>
-        <p:nvPicPr>
-          <p:cNvPr id="281" name="Bild" descr="Bild"/>
-          <p:cNvPicPr>
-            <a:picLocks noChangeAspect="1"/>
-          </p:cNvPicPr>
+      <p:sp>
+        <p:nvSpPr>
+          <p:cNvPr id="281" name="… damit man die optionale Stichprobengröße berechnen kann (Frequentistische Methode)."/>
+          <p:cNvSpPr txBox="1"/>
           <p:nvPr/>
-        </p:nvPicPr>
-        <p:blipFill>
-          <a:blip r:embed="rId3">
-            <a:extLst/>
-          </a:blip>
-          <a:srcRect l="0" t="0" r="0" b="0"/>
-          <a:stretch>
-            <a:fillRect/>
-          </a:stretch>
-        </p:blipFill>
+        </p:nvSpPr>
         <p:spPr>
           <a:xfrm>
-            <a:off x="6667909" y="2156131"/>
-            <a:ext cx="5819645" cy="4524699"/>
-          </a:xfrm>
-          <a:prstGeom prst="rect">
-            <a:avLst/>
-          </a:prstGeom>
-          <a:ln w="12700">
-            <a:miter lim="400000"/>
-          </a:ln>
-        </p:spPr>
-      </p:pic>
-      <p:sp>
-        <p:nvSpPr>
-          <p:cNvPr id="282" name="http://datacolada.org/2014/05/01/20-we-cannot-afford-to-study-effect-size-in-the-lab/"/>
-          <p:cNvSpPr/>
-          <p:nvPr/>
-        </p:nvSpPr>
-        <p:spPr>
-          <a:xfrm>
-            <a:off x="194871" y="9130351"/>
-            <a:ext cx="7748362" cy="352001"/>
+            <a:off x="570373" y="1667161"/>
+            <a:ext cx="11060234" cy="485649"/>
           </a:xfrm>
           <a:prstGeom prst="rect">
             <a:avLst/>
@@ -8891,66 +9029,6 @@
         </p:spPr>
         <p:txBody>
           <a:bodyPr wrap="none" lIns="65023" tIns="65023" rIns="65023" bIns="65023">
-            <a:spAutoFit/>
-          </a:bodyPr>
-          <a:lstStyle/>
-          <a:p>
-            <a:pPr algn="l">
-              <a:defRPr sz="1600">
-                <a:solidFill>
-                  <a:srgbClr val="262626"/>
-                </a:solidFill>
-                <a:latin typeface="Arial"/>
-                <a:ea typeface="Arial"/>
-                <a:cs typeface="Arial"/>
-                <a:sym typeface="Arial"/>
-              </a:defRPr>
-            </a:pPr>
-            <a:r>
-              <a:rPr u="sng">
-                <a:solidFill>
-                  <a:srgbClr val="0070C0"/>
-                </a:solidFill>
-                <a:uFill>
-                  <a:solidFill>
-                    <a:srgbClr val="0070C0"/>
-                  </a:solidFill>
-                </a:uFill>
-                <a:hlinkClick r:id="rId4" invalidUrl="" action="" tgtFrame="" tooltip="" history="1" highlightClick="0" endSnd="0"/>
-              </a:rPr>
-              <a:t>http://datacolada.org/2014/05/01/20-we-cannot-afford-to-study-effect-size-in-the-lab/</a:t>
-            </a:r>
-            <a:r>
-              <a:t> </a:t>
-            </a:r>
-          </a:p>
-        </p:txBody>
-      </p:sp>
-      <p:sp>
-        <p:nvSpPr>
-          <p:cNvPr id="283" name="Daher führen kleine Studien auch zu einer Überschätzung der Effektstärke: Aufgrund der großen Spannweite an Effekten treten auch wenn die H0 gilt (d=0) mitunter recht starke Effekte auf (z. B. d=.5), die auch signifikant sein können. Die schwachen Effekt"/>
-          <p:cNvSpPr/>
-          <p:nvPr/>
-        </p:nvSpPr>
-        <p:spPr>
-          <a:xfrm>
-            <a:off x="230566" y="6901375"/>
-            <a:ext cx="12543668" cy="1908049"/>
-          </a:xfrm>
-          <a:prstGeom prst="rect">
-            <a:avLst/>
-          </a:prstGeom>
-          <a:ln w="12700">
-            <a:miter lim="400000"/>
-          </a:ln>
-          <a:extLst>
-            <a:ext uri="{C572A759-6A51-4108-AA02-DFA0A04FC94B}">
-              <ma14:wrappingTextBoxFlag xmlns:ma14="http://schemas.microsoft.com/office/mac/drawingml/2011/main" val="1"/>
-            </a:ext>
-          </a:extLst>
-        </p:spPr>
-        <p:txBody>
-          <a:bodyPr lIns="65023" tIns="65023" rIns="65023" bIns="65023">
             <a:spAutoFit/>
           </a:bodyPr>
           <a:lstStyle>
@@ -8963,7 +9041,144 @@
           <a:p>
             <a:pPr/>
             <a:r>
-              <a:t>Daher führen kleine Studien auch zu einer Überschätzung der Effektstärke: Aufgrund der großen Spannweite an Effekten treten auch wenn die H0 gilt (d=0) mitunter recht starke Effekte auf (z. B. d=.5), die auch signifikant sein können. Die schwachen Effekte werden dann unterschlagen („file drawer effect“ bzw. „publication bias“), die zufällig starken publiziert. Das verzerrt dann das Gesamtbild zur wahren Effektstärke.</a:t>
+              <a:t>… damit man die optionale Stichprobengröße berechnen kann (Frequentistische Methode).</a:t>
+            </a:r>
+          </a:p>
+        </p:txBody>
+      </p:sp>
+      <p:sp>
+        <p:nvSpPr>
+          <p:cNvPr id="282" name="Für Regressionen kann man f2 verwenden."/>
+          <p:cNvSpPr txBox="1"/>
+          <p:nvPr/>
+        </p:nvSpPr>
+        <p:spPr>
+          <a:xfrm>
+            <a:off x="9598846" y="7111228"/>
+            <a:ext cx="2951646" cy="1196849"/>
+          </a:xfrm>
+          <a:prstGeom prst="rect">
+            <a:avLst/>
+          </a:prstGeom>
+          <a:ln w="12700">
+            <a:miter lim="400000"/>
+          </a:ln>
+          <a:extLst>
+            <a:ext uri="{C572A759-6A51-4108-AA02-DFA0A04FC94B}">
+              <ma14:wrappingTextBoxFlag xmlns:ma14="http://schemas.microsoft.com/office/mac/drawingml/2011/main" val="1"/>
+            </a:ext>
+          </a:extLst>
+        </p:spPr>
+        <p:txBody>
+          <a:bodyPr lIns="65023" tIns="65023" rIns="65023" bIns="65023">
+            <a:spAutoFit/>
+          </a:bodyPr>
+          <a:lstStyle/>
+          <a:p>
+            <a:pPr marL="127000" marR="127000" algn="l" defTabSz="1300480">
+              <a:spcBef>
+                <a:spcPts val="1000"/>
+              </a:spcBef>
+            </a:pPr>
+            <a:r>
+              <a:t>Für Regressionen kann man f</a:t>
+            </a:r>
+            <a:r>
+              <a:rPr baseline="31999"/>
+              <a:t>2</a:t>
+            </a:r>
+            <a:r>
+              <a:t> verwenden.</a:t>
+            </a:r>
+          </a:p>
+        </p:txBody>
+      </p:sp>
+      <p:sp>
+        <p:nvSpPr>
+          <p:cNvPr id="283" name="Cohen, J. (1992). A power primer. Psychological Bulletin, 112(1), 155–159."/>
+          <p:cNvSpPr txBox="1"/>
+          <p:nvPr/>
+        </p:nvSpPr>
+        <p:spPr>
+          <a:xfrm>
+            <a:off x="334684" y="9130351"/>
+            <a:ext cx="6837138" cy="352001"/>
+          </a:xfrm>
+          <a:prstGeom prst="rect">
+            <a:avLst/>
+          </a:prstGeom>
+          <a:ln w="12700">
+            <a:miter lim="400000"/>
+          </a:ln>
+          <a:extLst>
+            <a:ext uri="{C572A759-6A51-4108-AA02-DFA0A04FC94B}">
+              <ma14:wrappingTextBoxFlag xmlns:ma14="http://schemas.microsoft.com/office/mac/drawingml/2011/main" val="1"/>
+            </a:ext>
+          </a:extLst>
+        </p:spPr>
+        <p:txBody>
+          <a:bodyPr wrap="none" lIns="65023" tIns="65023" rIns="65023" bIns="65023">
+            <a:spAutoFit/>
+          </a:bodyPr>
+          <a:lstStyle>
+            <a:lvl1pPr algn="l">
+              <a:defRPr sz="1600">
+                <a:latin typeface="Arial"/>
+                <a:ea typeface="Arial"/>
+                <a:cs typeface="Arial"/>
+                <a:sym typeface="Arial"/>
+              </a:defRPr>
+            </a:lvl1pPr>
+          </a:lstStyle>
+          <a:p>
+            <a:pPr/>
+            <a:r>
+              <a:t>Cohen, J. (1992). A power primer. Psychological Bulletin, 112(1), 155–159.</a:t>
+            </a:r>
+          </a:p>
+        </p:txBody>
+      </p:sp>
+      <p:sp>
+        <p:nvSpPr>
+          <p:cNvPr id="284" name="Methode 3"/>
+          <p:cNvSpPr/>
+          <p:nvPr/>
+        </p:nvSpPr>
+        <p:spPr>
+          <a:xfrm>
+            <a:off x="11644787" y="1168400"/>
+            <a:ext cx="1212402" cy="663449"/>
+          </a:xfrm>
+          <a:prstGeom prst="roundRect">
+            <a:avLst>
+              <a:gd name="adj" fmla="val 19073"/>
+            </a:avLst>
+          </a:prstGeom>
+          <a:solidFill>
+            <a:schemeClr val="accent5">
+              <a:alpha val="25000"/>
+            </a:schemeClr>
+          </a:solidFill>
+          <a:ln w="12700">
+            <a:miter lim="400000"/>
+          </a:ln>
+          <a:extLst>
+            <a:ext uri="{C572A759-6A51-4108-AA02-DFA0A04FC94B}">
+              <ma14:wrappingTextBoxFlag xmlns:ma14="http://schemas.microsoft.com/office/mac/drawingml/2011/main" val="1"/>
+            </a:ext>
+          </a:extLst>
+        </p:spPr>
+        <p:txBody>
+          <a:bodyPr lIns="65023" tIns="65023" rIns="65023" bIns="65023" anchor="ctr"/>
+          <a:lstStyle>
+            <a:lvl1pPr>
+              <a:defRPr sz="1800"/>
+            </a:lvl1pPr>
+          </a:lstStyle>
+          <a:p>
+            <a:pPr/>
+            <a:r>
+              <a:t>Methode 3</a:t>
             </a:r>
           </a:p>
         </p:txBody>
@@ -8996,7 +9211,7 @@
       </p:grpSpPr>
       <p:sp>
         <p:nvSpPr>
-          <p:cNvPr id="285" name="Foliennummer"/>
+          <p:cNvPr id="286" name="Foliennummer"/>
           <p:cNvSpPr txBox="1"/>
           <p:nvPr>
             <p:ph type="sldNum" sz="quarter" idx="2"/>
@@ -9023,7 +9238,7 @@
       </p:sp>
       <p:sp>
         <p:nvSpPr>
-          <p:cNvPr id="286" name="At what sample size do correlations stabilize?"/>
+          <p:cNvPr id="287" name="Cohens Richtlinien zur Stichprobengröße"/>
           <p:cNvSpPr txBox="1"/>
           <p:nvPr>
             <p:ph type="body" idx="21"/>
@@ -9040,14 +9255,14 @@
           <a:p>
             <a:pPr/>
             <a:r>
-              <a:t>At what sample size do correlations stabilize?</a:t>
+              <a:t>Cohens Richtlinien zur Stichprobengröße</a:t>
             </a:r>
           </a:p>
         </p:txBody>
       </p:sp>
       <p:pic>
         <p:nvPicPr>
-          <p:cNvPr id="287" name="Bild" descr="Bild"/>
+          <p:cNvPr id="288" name="Bild" descr="Bild"/>
           <p:cNvPicPr>
             <a:picLocks noChangeAspect="1"/>
           </p:cNvPicPr>
@@ -9063,8 +9278,8 @@
         </p:blipFill>
         <p:spPr>
           <a:xfrm>
-            <a:off x="1203962" y="2973252"/>
-            <a:ext cx="11013438" cy="4337339"/>
+            <a:off x="3616057" y="2349150"/>
+            <a:ext cx="7312697" cy="6473346"/>
           </a:xfrm>
           <a:prstGeom prst="rect">
             <a:avLst/>
@@ -9076,14 +9291,14 @@
       </p:pic>
       <p:sp>
         <p:nvSpPr>
-          <p:cNvPr id="288" name="https://osf.io/rdasy/"/>
+          <p:cNvPr id="289" name="Cohen, J. (1992). A power primer. Psychological Bulletin, 112(1), 155–159."/>
           <p:cNvSpPr txBox="1"/>
           <p:nvPr/>
         </p:nvSpPr>
         <p:spPr>
           <a:xfrm>
-            <a:off x="1216630" y="7350197"/>
-            <a:ext cx="1437703" cy="485649"/>
+            <a:off x="512484" y="9130351"/>
+            <a:ext cx="6837138" cy="352001"/>
           </a:xfrm>
           <a:prstGeom prst="rect">
             <a:avLst/>
@@ -9101,39 +9316,34 @@
           <a:bodyPr wrap="none" lIns="65023" tIns="65023" rIns="65023" bIns="65023">
             <a:spAutoFit/>
           </a:bodyPr>
-          <a:lstStyle/>
+          <a:lstStyle>
+            <a:lvl1pPr algn="l">
+              <a:defRPr sz="1600">
+                <a:latin typeface="Arial"/>
+                <a:ea typeface="Arial"/>
+                <a:cs typeface="Arial"/>
+                <a:sym typeface="Arial"/>
+              </a:defRPr>
+            </a:lvl1pPr>
+          </a:lstStyle>
           <a:p>
             <a:pPr/>
             <a:r>
-              <a:rPr sz="1200" u="sng">
-                <a:solidFill>
-                  <a:srgbClr val="0070C0"/>
-                </a:solidFill>
-                <a:uFill>
-                  <a:solidFill>
-                    <a:srgbClr val="0070C0"/>
-                  </a:solidFill>
-                </a:uFill>
-                <a:hlinkClick r:id="rId3" invalidUrl="" action="" tgtFrame="" tooltip="" history="1" highlightClick="0" endSnd="0"/>
-              </a:rPr>
-              <a:t>https://osf.io/rdasy/</a:t>
-            </a:r>
-            <a:r>
-              <a:t> </a:t>
-            </a:r>
-          </a:p>
-        </p:txBody>
-      </p:sp>
-      <p:sp>
-        <p:nvSpPr>
-          <p:cNvPr id="289" name="Schönbrodt, F. D., &amp; Perugini, M. (2013). At what sample size do correlations stabilize? Journal of Research in Personality, 47(5), 609–612. https://doi.org/10.1016/j.jrp.2013.05.009"/>
+              <a:t>Cohen, J. (1992). A power primer. Psychological Bulletin, 112(1), 155–159.</a:t>
+            </a:r>
+          </a:p>
+        </p:txBody>
+      </p:sp>
+      <p:sp>
+        <p:nvSpPr>
+          <p:cNvPr id="290" name="Frequentistische Methode"/>
           <p:cNvSpPr txBox="1"/>
           <p:nvPr/>
         </p:nvSpPr>
         <p:spPr>
           <a:xfrm>
-            <a:off x="297186" y="9063527"/>
-            <a:ext cx="11267428" cy="485649"/>
+            <a:off x="570373" y="1667161"/>
+            <a:ext cx="3390079" cy="485649"/>
           </a:xfrm>
           <a:prstGeom prst="rect">
             <a:avLst/>
@@ -9151,97 +9361,42 @@
           <a:bodyPr wrap="none" lIns="65023" tIns="65023" rIns="65023" bIns="65023">
             <a:spAutoFit/>
           </a:bodyPr>
-          <a:lstStyle/>
-          <a:p>
-            <a:pPr algn="l" defTabSz="457200">
-              <a:defRPr sz="1200">
-                <a:ln w="0" cap="flat">
-                  <a:solidFill>
-                    <a:srgbClr val="000000"/>
-                  </a:solidFill>
-                  <a:prstDash val="solid"/>
-                  <a:miter lim="400000"/>
-                </a:ln>
-                <a:solidFill>
-                  <a:srgbClr val="414141"/>
-                </a:solidFill>
-                <a:latin typeface="Times Roman"/>
-                <a:ea typeface="Times Roman"/>
-                <a:cs typeface="Times Roman"/>
-                <a:sym typeface="Times Roman"/>
-              </a:defRPr>
-            </a:pPr>
-            <a:r>
-              <a:rPr>
-                <a:solidFill>
-                  <a:srgbClr val="000000"/>
-                </a:solidFill>
-              </a:rPr>
-              <a:t>Schönbrodt, F. D., &amp; Perugini, M. (2013). At what sample size do correlations stabilize? </a:t>
-            </a:r>
-            <a:r>
-              <a:rPr i="1">
-                <a:solidFill>
-                  <a:srgbClr val="000000"/>
-                </a:solidFill>
-              </a:rPr>
-              <a:t>Journal of Research in Personality</a:t>
-            </a:r>
-            <a:r>
-              <a:rPr>
-                <a:solidFill>
-                  <a:srgbClr val="000000"/>
-                </a:solidFill>
-              </a:rPr>
-              <a:t>, </a:t>
-            </a:r>
-            <a:r>
-              <a:rPr i="1">
-                <a:solidFill>
-                  <a:srgbClr val="000000"/>
-                </a:solidFill>
-              </a:rPr>
-              <a:t>47</a:t>
-            </a:r>
-            <a:r>
-              <a:rPr>
-                <a:solidFill>
-                  <a:srgbClr val="000000"/>
-                </a:solidFill>
-              </a:rPr>
-              <a:t>(5), 609–612. </a:t>
-            </a:r>
-            <a:r>
-              <a:rPr u="sng">
-                <a:solidFill>
-                  <a:srgbClr val="0000EE"/>
-                </a:solidFill>
-                <a:hlinkClick r:id="rId4" invalidUrl="" action="" tgtFrame="" tooltip="" history="1" highlightClick="0" endSnd="0"/>
-              </a:rPr>
-              <a:t>https://doi.org/10.1016/j.jrp.2013.05.009</a:t>
-            </a:r>
-            <a:endParaRPr>
-              <a:solidFill>
-                <a:srgbClr val="000000"/>
-              </a:solidFill>
-            </a:endParaRPr>
-          </a:p>
-        </p:txBody>
-      </p:sp>
-      <p:sp>
-        <p:nvSpPr>
-          <p:cNvPr id="290" name="Volltext"/>
-          <p:cNvSpPr txBox="1"/>
+          <a:lstStyle>
+            <a:lvl1pPr marL="127000" marR="127000" algn="l" defTabSz="1300480">
+              <a:spcBef>
+                <a:spcPts val="1000"/>
+              </a:spcBef>
+            </a:lvl1pPr>
+          </a:lstStyle>
+          <a:p>
+            <a:pPr/>
+            <a:r>
+              <a:t>Frequentistische Methode</a:t>
+            </a:r>
+          </a:p>
+        </p:txBody>
+      </p:sp>
+      <p:sp>
+        <p:nvSpPr>
+          <p:cNvPr id="291" name="Methode 3"/>
+          <p:cNvSpPr/>
           <p:nvPr/>
         </p:nvSpPr>
         <p:spPr>
           <a:xfrm>
-            <a:off x="11194195" y="7350197"/>
-            <a:ext cx="1055810" cy="485649"/>
+            <a:off x="11632087" y="482600"/>
+            <a:ext cx="1212402" cy="663449"/>
           </a:xfrm>
-          <a:prstGeom prst="rect">
-            <a:avLst/>
-          </a:prstGeom>
+          <a:prstGeom prst="roundRect">
+            <a:avLst>
+              <a:gd name="adj" fmla="val 19073"/>
+            </a:avLst>
+          </a:prstGeom>
+          <a:solidFill>
+            <a:schemeClr val="accent5">
+              <a:alpha val="25000"/>
+            </a:schemeClr>
+          </a:solidFill>
           <a:ln w="12700">
             <a:miter lim="400000"/>
           </a:ln>
@@ -9252,46 +9407,16 @@
           </a:extLst>
         </p:spPr>
         <p:txBody>
-          <a:bodyPr wrap="none" lIns="65023" tIns="65023" rIns="65023" bIns="65023">
-            <a:spAutoFit/>
-          </a:bodyPr>
+          <a:bodyPr lIns="65023" tIns="65023" rIns="65023" bIns="65023" anchor="ctr"/>
           <a:lstStyle>
             <a:lvl1pPr>
-              <a:defRPr u="sng">
-                <a:solidFill>
-                  <a:srgbClr val="0070C0"/>
-                </a:solidFill>
-                <a:uFill>
-                  <a:solidFill>
-                    <a:srgbClr val="0070C0"/>
-                  </a:solidFill>
-                </a:uFill>
-                <a:hlinkClick r:id="rId5" invalidUrl="" action="" tgtFrame="" tooltip="" history="1" highlightClick="0" endSnd="0"/>
-              </a:defRPr>
+              <a:defRPr sz="1800"/>
             </a:lvl1pPr>
           </a:lstStyle>
           <a:p>
-            <a:pPr>
-              <a:defRPr u="none">
-                <a:solidFill>
-                  <a:srgbClr val="000000"/>
-                </a:solidFill>
-                <a:uFillTx/>
-              </a:defRPr>
-            </a:pPr>
-            <a:r>
-              <a:rPr u="sng">
-                <a:solidFill>
-                  <a:srgbClr val="0070C0"/>
-                </a:solidFill>
-                <a:uFill>
-                  <a:solidFill>
-                    <a:srgbClr val="0070C0"/>
-                  </a:solidFill>
-                </a:uFill>
-                <a:hlinkClick r:id="rId5" invalidUrl="" action="" tgtFrame="" tooltip="" history="1" highlightClick="0" endSnd="0"/>
-              </a:rPr>
-              <a:t>Volltext</a:t>
+            <a:pPr/>
+            <a:r>
+              <a:t>Methode 3</a:t>
             </a:r>
           </a:p>
         </p:txBody>
@@ -9324,7 +9449,7 @@
       </p:grpSpPr>
       <p:sp>
         <p:nvSpPr>
-          <p:cNvPr id="292" name="Foliennummer"/>
+          <p:cNvPr id="293" name="Foliennummer"/>
           <p:cNvSpPr txBox="1"/>
           <p:nvPr>
             <p:ph type="sldNum" sz="quarter" idx="2"/>
@@ -9351,7 +9476,7 @@
       </p:sp>
       <p:sp>
         <p:nvSpPr>
-          <p:cNvPr id="293" name="Die meisten Studien sind „unter-powered“"/>
+          <p:cNvPr id="294" name="Kritik an frequentistischer Fallzahlplanung"/>
           <p:cNvSpPr txBox="1"/>
           <p:nvPr>
             <p:ph type="body" idx="21"/>
@@ -9368,21 +9493,88 @@
           <a:p>
             <a:pPr/>
             <a:r>
-              <a:t>Die meisten Studien sind „unter-powered“</a:t>
-            </a:r>
-          </a:p>
-        </p:txBody>
-      </p:sp>
-      <p:sp>
-        <p:nvSpPr>
-          <p:cNvPr id="294" name="Abstract…"/>
-          <p:cNvSpPr/>
+              <a:t>Kritik an frequentistischer Fallzahlplanung</a:t>
+            </a:r>
+          </a:p>
+        </p:txBody>
+      </p:sp>
+      <p:sp>
+        <p:nvSpPr>
+          <p:cNvPr id="295" name="„For comparison with the Bayes factors analysis in the main text, we provide a comparable frequentist power analysis. One important conclusion here is that the power analysis will be essentially useless once one takes the uncertainty of the effect size i"/>
+          <p:cNvSpPr txBox="1"/>
+          <p:nvPr>
+            <p:ph type="body" idx="22"/>
+          </p:nvPr>
+        </p:nvSpPr>
+        <p:spPr>
+          <a:prstGeom prst="rect">
+            <a:avLst/>
+          </a:prstGeom>
+        </p:spPr>
+        <p:txBody>
+          <a:bodyPr/>
+          <a:lstStyle/>
+          <a:p>
+            <a:pPr/>
+            <a:r>
+              <a:t>„For comparison with the Bayes factors analysis in the main text, we provide a comparable frequentist power analysis. One important conclusion here is that the power analysis will be essentially useless once one takes the uncertainty of the effect size into account“</a:t>
+            </a:r>
+            <a:br/>
+          </a:p>
+          <a:p>
+            <a:pPr/>
+            <a:r>
+              <a:t>Eine frequentistische Fallzahlplanung (Poweranalyse) lässt die Ungewissheit der (Schätzung der) Effektstärke außer acht. Daher ist ist übergewiss, die Ungewissheit der Schätzung wird unterschätzt. Daher wird die benötigte Stichprobengröße unterschätzt.</a:t>
+            </a:r>
+          </a:p>
+          <a:p>
+            <a:pPr/>
+            <a:r>
+              <a:t>Zumindest ist dies die Meinung der unten zitierten Autoren für die Art der Poweranalyse, die im zitierten Artikel verwendet wird.</a:t>
+            </a:r>
+          </a:p>
+          <a:p>
+            <a:pPr/>
+            <a:r>
+              <a:t>Fazit: </a:t>
+            </a:r>
+          </a:p>
+          <a:p>
+            <a:pPr lvl="1" marL="812800" indent="-228600">
+              <a:buClr>
+                <a:schemeClr val="accent5"/>
+              </a:buClr>
+              <a:buFont typeface="Arial"/>
+              <a:buChar char="▶︎"/>
+            </a:pPr>
+            <a:r>
+              <a:t>Bayesianische Fallzahlplanung ist wenig(er) nötig und technisch noch nicht gut entwickelt</a:t>
+            </a:r>
+          </a:p>
+          <a:p>
+            <a:pPr lvl="1" marL="812800" indent="-228600">
+              <a:buClr>
+                <a:schemeClr val="accent5"/>
+              </a:buClr>
+              <a:buFont typeface="Arial"/>
+              <a:buChar char="▶︎"/>
+            </a:pPr>
+            <a:r>
+              <a:t>Frequentistische Fallzahlplanung ist wenig(er) zuverlässig aber technisch gut entwickelt</a:t>
+            </a:r>
+          </a:p>
+        </p:txBody>
+      </p:sp>
+      <p:sp>
+        <p:nvSpPr>
+          <p:cNvPr id="296" name="Vasishth, S., Yadav, H., Schad, D. J., &amp; Nicenboim, B. (2022). Sample Size Determination for Bayesian Hierarchical Models Commonly Used in Psycholinguistics. Computational Brain &amp; Behavior. https://doi.org/10.1007/s42113-021-00125-y"/>
+          <p:cNvSpPr txBox="1"/>
           <p:nvPr/>
         </p:nvSpPr>
         <p:spPr>
           <a:xfrm>
-            <a:off x="574087" y="5629949"/>
-            <a:ext cx="11856626" cy="3762249"/>
+            <a:off x="141549" y="8974627"/>
+            <a:ext cx="11298913" cy="663449"/>
           </a:xfrm>
           <a:prstGeom prst="rect">
             <a:avLst/>
@@ -9402,67 +9594,65 @@
           </a:bodyPr>
           <a:lstStyle/>
           <a:p>
-            <a:pPr marL="127000" marR="127000" algn="l" defTabSz="1300480">
-              <a:spcBef>
-                <a:spcPts val="1000"/>
-              </a:spcBef>
-              <a:defRPr sz="1900"/>
+            <a:pPr algn="l" defTabSz="457200">
+              <a:defRPr sz="1200">
+                <a:ln w="0" cap="flat">
+                  <a:solidFill>
+                    <a:srgbClr val="000000"/>
+                  </a:solidFill>
+                  <a:prstDash val="solid"/>
+                  <a:miter lim="400000"/>
+                </a:ln>
+                <a:solidFill>
+                  <a:srgbClr val="414141"/>
+                </a:solidFill>
+                <a:latin typeface="Times Roman"/>
+                <a:ea typeface="Times Roman"/>
+                <a:cs typeface="Times Roman"/>
+                <a:sym typeface="Times Roman"/>
+              </a:defRPr>
             </a:pPr>
             <a:r>
-              <a:t>Abstract</a:t>
-            </a:r>
-          </a:p>
-          <a:p>
-            <a:pPr marL="127000" marR="127000" algn="l" defTabSz="1300480">
-              <a:spcBef>
-                <a:spcPts val="1000"/>
-              </a:spcBef>
-              <a:defRPr sz="1900"/>
-            </a:pPr>
-            <a:r>
-              <a:t>The authors evaluate the quality of research reported in major journals in social-personality psychology by ranking those journals with respect to their </a:t>
-            </a:r>
-            <a:r>
-              <a:rPr i="1"/>
-              <a:t>N</a:t>
-            </a:r>
-            <a:r>
-              <a:t>-pact Factors (NF)–the statistical power of the empirical studies they publish to detect typical effect sizes. Power is a particularly important attribute for evaluating research quality because, relative to studies that have low power, studies that have high power are more likely to (a) to provide accurate estimates of effects, (b) to produce literatures with low false positive rates, and (c) to lead to replicable findings. The authors show that the average sample size in social-personality research is 104 and that the power to detect the typical effect size in the field is approximately 50%. Moreover, they show that there is considerable variation among journals in sample sizes and power of the studies they publish, with some journals consistently publishing higher power studies than others. The authors hope that these rankings will be of use to authors who are choosing where to submit their best work, provide hiring and promotion committees with a superior way of quantifying journal quality, and encourage competition among journals to improve their NF rankings.</a:t>
-            </a:r>
-          </a:p>
-        </p:txBody>
-      </p:sp>
-      <p:pic>
-        <p:nvPicPr>
-          <p:cNvPr id="295" name="Bild" descr="Bild">
-            <a:hlinkClick r:id="rId2" invalidUrl="" action="" tgtFrame="" tooltip="" history="1" highlightClick="0" endSnd="0"/>
-          </p:cNvPr>
-          <p:cNvPicPr>
-            <a:picLocks noChangeAspect="1"/>
-          </p:cNvPicPr>
-          <p:nvPr/>
-        </p:nvPicPr>
-        <p:blipFill>
-          <a:blip r:embed="rId3">
-            <a:extLst/>
-          </a:blip>
-          <a:stretch>
-            <a:fillRect/>
-          </a:stretch>
-        </p:blipFill>
-        <p:spPr>
-          <a:xfrm>
-            <a:off x="1749538" y="1948243"/>
-            <a:ext cx="9084690" cy="3580889"/>
-          </a:xfrm>
-          <a:prstGeom prst="rect">
-            <a:avLst/>
-          </a:prstGeom>
-          <a:ln w="12700">
-            <a:miter lim="400000"/>
-          </a:ln>
-        </p:spPr>
-      </p:pic>
+              <a:rPr>
+                <a:solidFill>
+                  <a:srgbClr val="000000"/>
+                </a:solidFill>
+              </a:rPr>
+              <a:t>Vasishth, S., Yadav, H., Schad, D. J., &amp; Nicenboim, B. (2022). Sample Size Determination for Bayesian Hierarchical Models Commonly Used in Psycholinguistics. </a:t>
+            </a:r>
+            <a:r>
+              <a:rPr i="1">
+                <a:solidFill>
+                  <a:srgbClr val="000000"/>
+                </a:solidFill>
+              </a:rPr>
+              <a:t>Computational Brain &amp; Behavior</a:t>
+            </a:r>
+            <a:r>
+              <a:rPr>
+                <a:solidFill>
+                  <a:srgbClr val="000000"/>
+                </a:solidFill>
+              </a:rPr>
+              <a:t>. </a:t>
+            </a:r>
+            <a:r>
+              <a:rPr u="sng">
+                <a:solidFill>
+                  <a:srgbClr val="0000EE"/>
+                </a:solidFill>
+                <a:hlinkClick r:id="rId2" invalidUrl="" action="" tgtFrame="" tooltip="" history="1" highlightClick="0" endSnd="0"/>
+              </a:rPr>
+              <a:t>https://doi.org/10.1007/s42113-021-00125-y</a:t>
+            </a:r>
+            <a:endParaRPr>
+              <a:solidFill>
+                <a:srgbClr val="000000"/>
+              </a:solidFill>
+            </a:endParaRPr>
+          </a:p>
+        </p:txBody>
+      </p:sp>
     </p:spTree>
   </p:cSld>
   <p:clrMapOvr>
@@ -9491,7 +9681,7 @@
       </p:grpSpPr>
       <p:sp>
         <p:nvSpPr>
-          <p:cNvPr id="297" name="Foliennummer"/>
+          <p:cNvPr id="298" name="Foliennummer"/>
           <p:cNvSpPr txBox="1"/>
           <p:nvPr>
             <p:ph type="sldNum" sz="quarter" idx="2"/>
@@ -9509,15 +9699,7 @@
         </p:spPr>
         <p:txBody>
           <a:bodyPr/>
-          <a:lstStyle>
-            <a:lvl1pPr>
-              <a:defRPr>
-                <a:solidFill>
-                  <a:srgbClr val="262626"/>
-                </a:solidFill>
-              </a:defRPr>
-            </a:lvl1pPr>
-          </a:lstStyle>
+          <a:lstStyle/>
           <a:p>
             <a:pPr/>
             <a:fld id="{86CB4B4D-7CA3-9044-876B-883B54F8677D}" type="slidenum"/>
@@ -9526,7 +9708,7 @@
       </p:sp>
       <p:sp>
         <p:nvSpPr>
-          <p:cNvPr id="298" name="Bei großen Gruppen werden die Parameter gut geschätzt"/>
+          <p:cNvPr id="299" name="Präzision ist teuer"/>
           <p:cNvSpPr txBox="1"/>
           <p:nvPr>
             <p:ph type="body" idx="21"/>
@@ -9539,22 +9721,18 @@
         </p:spPr>
         <p:txBody>
           <a:bodyPr/>
-          <a:lstStyle>
-            <a:lvl1pPr marL="116839" marR="116839" indent="116839" defTabSz="1196441">
-              <a:defRPr sz="5704"/>
-            </a:lvl1pPr>
-          </a:lstStyle>
+          <a:lstStyle/>
           <a:p>
             <a:pPr/>
             <a:r>
-              <a:t>Bei großen Gruppen werden die Parameter gut geschätzt</a:t>
+              <a:t>Präzision ist teuer</a:t>
             </a:r>
           </a:p>
         </p:txBody>
       </p:sp>
       <p:pic>
         <p:nvPicPr>
-          <p:cNvPr id="299" name="Bild" descr="Bild"/>
+          <p:cNvPr id="300" name="Bild" descr="Bild"/>
           <p:cNvPicPr>
             <a:picLocks noChangeAspect="1"/>
           </p:cNvPicPr>
@@ -9564,15 +9742,14 @@
           <a:blip r:embed="rId2">
             <a:extLst/>
           </a:blip>
-          <a:srcRect l="0" t="16622" r="5753" b="5438"/>
           <a:stretch>
             <a:fillRect/>
           </a:stretch>
         </p:blipFill>
         <p:spPr>
           <a:xfrm>
-            <a:off x="6223503" y="2658586"/>
-            <a:ext cx="6390251" cy="3523059"/>
+            <a:off x="334778" y="2285076"/>
+            <a:ext cx="5819616" cy="3998566"/>
           </a:xfrm>
           <a:prstGeom prst="rect">
             <a:avLst/>
@@ -9582,16 +9759,46 @@
           </a:ln>
         </p:spPr>
       </p:pic>
-      <p:sp>
-        <p:nvSpPr>
-          <p:cNvPr id="300" name="http://www.statisticsdonewrong.com/regression.html"/>
+      <p:pic>
+        <p:nvPicPr>
+          <p:cNvPr id="301" name="Bild" descr="Bild"/>
+          <p:cNvPicPr>
+            <a:picLocks noChangeAspect="1"/>
+          </p:cNvPicPr>
+          <p:nvPr/>
+        </p:nvPicPr>
+        <p:blipFill>
+          <a:blip r:embed="rId3">
+            <a:extLst/>
+          </a:blip>
+          <a:srcRect l="0" t="0" r="0" b="0"/>
+          <a:stretch>
+            <a:fillRect/>
+          </a:stretch>
+        </p:blipFill>
+        <p:spPr>
+          <a:xfrm>
+            <a:off x="6667909" y="2156131"/>
+            <a:ext cx="5819645" cy="4524699"/>
+          </a:xfrm>
+          <a:prstGeom prst="rect">
+            <a:avLst/>
+          </a:prstGeom>
+          <a:ln w="12700">
+            <a:miter lim="400000"/>
+          </a:ln>
+        </p:spPr>
+      </p:pic>
+      <p:sp>
+        <p:nvSpPr>
+          <p:cNvPr id="302" name="http://datacolada.org/2014/05/01/20-we-cannot-afford-to-study-effect-size-in-the-lab/"/>
           <p:cNvSpPr/>
           <p:nvPr/>
         </p:nvSpPr>
         <p:spPr>
           <a:xfrm>
-            <a:off x="222483" y="8730407"/>
-            <a:ext cx="5453457" cy="389270"/>
+            <a:off x="194871" y="9130351"/>
+            <a:ext cx="7748362" cy="352001"/>
           </a:xfrm>
           <a:prstGeom prst="rect">
             <a:avLst/>
@@ -9612,7 +9819,7 @@
           <a:lstStyle/>
           <a:p>
             <a:pPr algn="l">
-              <a:defRPr sz="1800">
+              <a:defRPr sz="1600">
                 <a:solidFill>
                   <a:srgbClr val="262626"/>
                 </a:solidFill>
@@ -9632,9 +9839,9 @@
                     <a:srgbClr val="0070C0"/>
                   </a:solidFill>
                 </a:uFill>
-                <a:hlinkClick r:id="rId3" invalidUrl="" action="" tgtFrame="" tooltip="" history="1" highlightClick="0" endSnd="0"/>
+                <a:hlinkClick r:id="rId4" invalidUrl="" action="" tgtFrame="" tooltip="" history="1" highlightClick="0" endSnd="0"/>
               </a:rPr>
-              <a:t>http://www.statisticsdonewrong.com/regression.html</a:t>
+              <a:t>http://datacolada.org/2014/05/01/20-we-cannot-afford-to-study-effect-size-in-the-lab/</a:t>
             </a:r>
             <a:r>
               <a:t> </a:t>
@@ -9644,92 +9851,14 @@
       </p:sp>
       <p:sp>
         <p:nvSpPr>
-          <p:cNvPr id="301" name="Stellen wir uns vor, Sie die Qualität von Schulen zu beurteilen; dazu werden „test scores“ ermittelt.…"/>
+          <p:cNvPr id="303" name="Daher führen kleine Studien auch zu einer Überschätzung der Effektstärke: Aufgrund der großen Spannweite an Effekten treten auch wenn die H0 gilt (d=0) mitunter recht starke Effekte auf (z. B. d=.5), die auch signifikant sein können. Die schwachen Effekt"/>
           <p:cNvSpPr/>
           <p:nvPr/>
         </p:nvSpPr>
         <p:spPr>
           <a:xfrm>
-            <a:off x="219627" y="2094491"/>
-            <a:ext cx="5459169" cy="4651249"/>
-          </a:xfrm>
-          <a:prstGeom prst="rect">
-            <a:avLst/>
-          </a:prstGeom>
-          <a:ln w="12700">
-            <a:miter lim="400000"/>
-          </a:ln>
-          <a:extLst>
-            <a:ext uri="{C572A759-6A51-4108-AA02-DFA0A04FC94B}">
-              <ma14:wrappingTextBoxFlag xmlns:ma14="http://schemas.microsoft.com/office/mac/drawingml/2011/main" val="1"/>
-            </a:ext>
-          </a:extLst>
-        </p:spPr>
-        <p:txBody>
-          <a:bodyPr lIns="65023" tIns="65023" rIns="65023" bIns="65023">
-            <a:spAutoFit/>
-          </a:bodyPr>
-          <a:lstStyle/>
-          <a:p>
-            <a:pPr marL="508000" marR="127000" indent="-381000" algn="l" defTabSz="1300480">
-              <a:spcBef>
-                <a:spcPts val="1000"/>
-              </a:spcBef>
-              <a:buClr>
-                <a:schemeClr val="accent5"/>
-              </a:buClr>
-              <a:buSzPct val="70000"/>
-              <a:buFont typeface="Arial"/>
-              <a:buChar char="▶︎"/>
-            </a:pPr>
-            <a:r>
-              <a:t>Stellen wir uns vor, Sie die Qualität von Schulen zu beurteilen; dazu werden „test scores“ ermittelt.</a:t>
-            </a:r>
-          </a:p>
-          <a:p>
-            <a:pPr marL="508000" marR="127000" indent="-381000" algn="l" defTabSz="1300480">
-              <a:spcBef>
-                <a:spcPts val="1000"/>
-              </a:spcBef>
-              <a:buClr>
-                <a:schemeClr val="accent5"/>
-              </a:buClr>
-              <a:buSzPct val="70000"/>
-              <a:buFont typeface="Arial"/>
-              <a:buChar char="▶︎"/>
-            </a:pPr>
-            <a:r>
-              <a:t>Sie schauen sich die besten 5 % an: Aha, die kleinsten Schulen schneiden am besten ab. Überrascht mich nicht, ist doch logisch – familiäre Atmosphäre…</a:t>
-            </a:r>
-          </a:p>
-          <a:p>
-            <a:pPr marL="508000" marR="127000" indent="-381000" algn="l" defTabSz="1300480">
-              <a:spcBef>
-                <a:spcPts val="1000"/>
-              </a:spcBef>
-              <a:buClr>
-                <a:schemeClr val="accent5"/>
-              </a:buClr>
-              <a:buSzPct val="70000"/>
-              <a:buFont typeface="Arial"/>
-              <a:buChar char="▶︎"/>
-            </a:pPr>
-            <a:r>
-              <a:t>Jetzt schauen Sie sich die untersten 5 % der Schulen an. Ja was ist denn das: Wieder lauter kleine Schulen! Da stimmt doch was nicht!</a:t>
-            </a:r>
-          </a:p>
-        </p:txBody>
-      </p:sp>
-      <p:sp>
-        <p:nvSpPr>
-          <p:cNvPr id="302" name="Tatsächlich hat alles seine Ordnung: In großen Schulen wir aufgrund der großen Stichprobengröße genau geschätzt – es resultieren mittlere Werte. Bei kleinen Schulen ist die Schätzgenauigkeit schlechter. Die Qualitätswerte streuen mehr, man findet mehr Ex"/>
-          <p:cNvSpPr/>
-          <p:nvPr/>
-        </p:nvSpPr>
-        <p:spPr>
-          <a:xfrm>
-            <a:off x="234077" y="7009262"/>
-            <a:ext cx="12062234" cy="1552449"/>
+            <a:off x="230566" y="6901375"/>
+            <a:ext cx="12543668" cy="1908049"/>
           </a:xfrm>
           <a:prstGeom prst="rect">
             <a:avLst/>
@@ -9757,7 +9886,7 @@
           <a:p>
             <a:pPr/>
             <a:r>
-              <a:t>Tatsächlich hat alles seine Ordnung: In großen Schulen wir aufgrund der großen Stichprobengröße genau geschätzt – es resultieren mittlere Werte. Bei kleinen Schulen ist die Schätzgenauigkeit schlechter. Die Qualitätswerte streuen mehr, man findet mehr Extreme. In beide Richtungen.</a:t>
+              <a:t>Daher führen kleine Studien auch zu einer Überschätzung der Effektstärke: Aufgrund der großen Spannweite an Effekten treten auch wenn die H0 gilt (d=0) mitunter recht starke Effekte auf (z. B. d=.5), die auch signifikant sein können. Die schwachen Effekte werden dann unterschlagen („file drawer effect“ bzw. „publication bias“), die zufällig starken publiziert. Das verzerrt dann das Gesamtbild zur wahren Effektstärke.</a:t>
             </a:r>
           </a:p>
         </p:txBody>
@@ -9790,7 +9919,1116 @@
       </p:grpSpPr>
       <p:sp>
         <p:nvSpPr>
-          <p:cNvPr id="304" name="Rechteck"/>
+          <p:cNvPr id="305" name="Foliennummer"/>
+          <p:cNvSpPr txBox="1"/>
+          <p:nvPr>
+            <p:ph type="sldNum" sz="quarter" idx="2"/>
+          </p:nvPr>
+        </p:nvSpPr>
+        <p:spPr>
+          <a:prstGeom prst="rect">
+            <a:avLst/>
+          </a:prstGeom>
+          <a:extLst>
+            <a:ext uri="{C572A759-6A51-4108-AA02-DFA0A04FC94B}">
+              <ma14:wrappingTextBoxFlag xmlns:ma14="http://schemas.microsoft.com/office/mac/drawingml/2011/main" val="1"/>
+            </a:ext>
+          </a:extLst>
+        </p:spPr>
+        <p:txBody>
+          <a:bodyPr/>
+          <a:lstStyle/>
+          <a:p>
+            <a:pPr/>
+            <a:fld id="{86CB4B4D-7CA3-9044-876B-883B54F8677D}" type="slidenum"/>
+          </a:p>
+        </p:txBody>
+      </p:sp>
+      <p:sp>
+        <p:nvSpPr>
+          <p:cNvPr id="306" name="At what sample size do correlations stabilize?"/>
+          <p:cNvSpPr txBox="1"/>
+          <p:nvPr>
+            <p:ph type="body" idx="21"/>
+          </p:nvPr>
+        </p:nvSpPr>
+        <p:spPr>
+          <a:prstGeom prst="rect">
+            <a:avLst/>
+          </a:prstGeom>
+        </p:spPr>
+        <p:txBody>
+          <a:bodyPr/>
+          <a:lstStyle/>
+          <a:p>
+            <a:pPr/>
+            <a:r>
+              <a:t>At what sample size do correlations stabilize?</a:t>
+            </a:r>
+          </a:p>
+        </p:txBody>
+      </p:sp>
+      <p:pic>
+        <p:nvPicPr>
+          <p:cNvPr id="307" name="Bild" descr="Bild"/>
+          <p:cNvPicPr>
+            <a:picLocks noChangeAspect="1"/>
+          </p:cNvPicPr>
+          <p:nvPr/>
+        </p:nvPicPr>
+        <p:blipFill>
+          <a:blip r:embed="rId2">
+            <a:extLst/>
+          </a:blip>
+          <a:stretch>
+            <a:fillRect/>
+          </a:stretch>
+        </p:blipFill>
+        <p:spPr>
+          <a:xfrm>
+            <a:off x="1203962" y="2973252"/>
+            <a:ext cx="11013438" cy="4337339"/>
+          </a:xfrm>
+          <a:prstGeom prst="rect">
+            <a:avLst/>
+          </a:prstGeom>
+          <a:ln w="12700">
+            <a:miter lim="400000"/>
+          </a:ln>
+        </p:spPr>
+      </p:pic>
+      <p:sp>
+        <p:nvSpPr>
+          <p:cNvPr id="308" name="https://osf.io/rdasy/"/>
+          <p:cNvSpPr txBox="1"/>
+          <p:nvPr/>
+        </p:nvSpPr>
+        <p:spPr>
+          <a:xfrm>
+            <a:off x="1216630" y="7350197"/>
+            <a:ext cx="1437703" cy="485649"/>
+          </a:xfrm>
+          <a:prstGeom prst="rect">
+            <a:avLst/>
+          </a:prstGeom>
+          <a:ln w="12700">
+            <a:miter lim="400000"/>
+          </a:ln>
+          <a:extLst>
+            <a:ext uri="{C572A759-6A51-4108-AA02-DFA0A04FC94B}">
+              <ma14:wrappingTextBoxFlag xmlns:ma14="http://schemas.microsoft.com/office/mac/drawingml/2011/main" val="1"/>
+            </a:ext>
+          </a:extLst>
+        </p:spPr>
+        <p:txBody>
+          <a:bodyPr wrap="none" lIns="65023" tIns="65023" rIns="65023" bIns="65023">
+            <a:spAutoFit/>
+          </a:bodyPr>
+          <a:lstStyle/>
+          <a:p>
+            <a:pPr/>
+            <a:r>
+              <a:rPr sz="1200" u="sng">
+                <a:solidFill>
+                  <a:srgbClr val="0070C0"/>
+                </a:solidFill>
+                <a:uFill>
+                  <a:solidFill>
+                    <a:srgbClr val="0070C0"/>
+                  </a:solidFill>
+                </a:uFill>
+                <a:hlinkClick r:id="rId3" invalidUrl="" action="" tgtFrame="" tooltip="" history="1" highlightClick="0" endSnd="0"/>
+              </a:rPr>
+              <a:t>https://osf.io/rdasy/</a:t>
+            </a:r>
+            <a:r>
+              <a:t> </a:t>
+            </a:r>
+          </a:p>
+        </p:txBody>
+      </p:sp>
+      <p:sp>
+        <p:nvSpPr>
+          <p:cNvPr id="309" name="Schönbrodt, F. D., &amp; Perugini, M. (2013). At what sample size do correlations stabilize? Journal of Research in Personality, 47(5), 609–612. https://doi.org/10.1016/j.jrp.2013.05.009"/>
+          <p:cNvSpPr txBox="1"/>
+          <p:nvPr/>
+        </p:nvSpPr>
+        <p:spPr>
+          <a:xfrm>
+            <a:off x="297186" y="9063527"/>
+            <a:ext cx="11267428" cy="485649"/>
+          </a:xfrm>
+          <a:prstGeom prst="rect">
+            <a:avLst/>
+          </a:prstGeom>
+          <a:ln w="12700">
+            <a:miter lim="400000"/>
+          </a:ln>
+          <a:extLst>
+            <a:ext uri="{C572A759-6A51-4108-AA02-DFA0A04FC94B}">
+              <ma14:wrappingTextBoxFlag xmlns:ma14="http://schemas.microsoft.com/office/mac/drawingml/2011/main" val="1"/>
+            </a:ext>
+          </a:extLst>
+        </p:spPr>
+        <p:txBody>
+          <a:bodyPr wrap="none" lIns="65023" tIns="65023" rIns="65023" bIns="65023">
+            <a:spAutoFit/>
+          </a:bodyPr>
+          <a:lstStyle/>
+          <a:p>
+            <a:pPr algn="l" defTabSz="457200">
+              <a:defRPr sz="1200">
+                <a:ln w="0" cap="flat">
+                  <a:solidFill>
+                    <a:srgbClr val="000000"/>
+                  </a:solidFill>
+                  <a:prstDash val="solid"/>
+                  <a:miter lim="400000"/>
+                </a:ln>
+                <a:solidFill>
+                  <a:srgbClr val="414141"/>
+                </a:solidFill>
+                <a:latin typeface="Times Roman"/>
+                <a:ea typeface="Times Roman"/>
+                <a:cs typeface="Times Roman"/>
+                <a:sym typeface="Times Roman"/>
+              </a:defRPr>
+            </a:pPr>
+            <a:r>
+              <a:rPr>
+                <a:solidFill>
+                  <a:srgbClr val="000000"/>
+                </a:solidFill>
+              </a:rPr>
+              <a:t>Schönbrodt, F. D., &amp; Perugini, M. (2013). At what sample size do correlations stabilize? </a:t>
+            </a:r>
+            <a:r>
+              <a:rPr i="1">
+                <a:solidFill>
+                  <a:srgbClr val="000000"/>
+                </a:solidFill>
+              </a:rPr>
+              <a:t>Journal of Research in Personality</a:t>
+            </a:r>
+            <a:r>
+              <a:rPr>
+                <a:solidFill>
+                  <a:srgbClr val="000000"/>
+                </a:solidFill>
+              </a:rPr>
+              <a:t>, </a:t>
+            </a:r>
+            <a:r>
+              <a:rPr i="1">
+                <a:solidFill>
+                  <a:srgbClr val="000000"/>
+                </a:solidFill>
+              </a:rPr>
+              <a:t>47</a:t>
+            </a:r>
+            <a:r>
+              <a:rPr>
+                <a:solidFill>
+                  <a:srgbClr val="000000"/>
+                </a:solidFill>
+              </a:rPr>
+              <a:t>(5), 609–612. </a:t>
+            </a:r>
+            <a:r>
+              <a:rPr u="sng">
+                <a:solidFill>
+                  <a:srgbClr val="0000EE"/>
+                </a:solidFill>
+                <a:hlinkClick r:id="rId4" invalidUrl="" action="" tgtFrame="" tooltip="" history="1" highlightClick="0" endSnd="0"/>
+              </a:rPr>
+              <a:t>https://doi.org/10.1016/j.jrp.2013.05.009</a:t>
+            </a:r>
+            <a:endParaRPr>
+              <a:solidFill>
+                <a:srgbClr val="000000"/>
+              </a:solidFill>
+            </a:endParaRPr>
+          </a:p>
+        </p:txBody>
+      </p:sp>
+      <p:sp>
+        <p:nvSpPr>
+          <p:cNvPr id="310" name="Volltext"/>
+          <p:cNvSpPr txBox="1"/>
+          <p:nvPr/>
+        </p:nvSpPr>
+        <p:spPr>
+          <a:xfrm>
+            <a:off x="11194195" y="7350197"/>
+            <a:ext cx="1055810" cy="485649"/>
+          </a:xfrm>
+          <a:prstGeom prst="rect">
+            <a:avLst/>
+          </a:prstGeom>
+          <a:ln w="12700">
+            <a:miter lim="400000"/>
+          </a:ln>
+          <a:extLst>
+            <a:ext uri="{C572A759-6A51-4108-AA02-DFA0A04FC94B}">
+              <ma14:wrappingTextBoxFlag xmlns:ma14="http://schemas.microsoft.com/office/mac/drawingml/2011/main" val="1"/>
+            </a:ext>
+          </a:extLst>
+        </p:spPr>
+        <p:txBody>
+          <a:bodyPr wrap="none" lIns="65023" tIns="65023" rIns="65023" bIns="65023">
+            <a:spAutoFit/>
+          </a:bodyPr>
+          <a:lstStyle>
+            <a:lvl1pPr>
+              <a:defRPr u="sng">
+                <a:solidFill>
+                  <a:srgbClr val="0070C0"/>
+                </a:solidFill>
+                <a:uFill>
+                  <a:solidFill>
+                    <a:srgbClr val="0070C0"/>
+                  </a:solidFill>
+                </a:uFill>
+                <a:hlinkClick r:id="rId5" invalidUrl="" action="" tgtFrame="" tooltip="" history="1" highlightClick="0" endSnd="0"/>
+              </a:defRPr>
+            </a:lvl1pPr>
+          </a:lstStyle>
+          <a:p>
+            <a:pPr>
+              <a:defRPr u="none">
+                <a:solidFill>
+                  <a:srgbClr val="000000"/>
+                </a:solidFill>
+                <a:uFillTx/>
+              </a:defRPr>
+            </a:pPr>
+            <a:r>
+              <a:rPr u="sng">
+                <a:solidFill>
+                  <a:srgbClr val="0070C0"/>
+                </a:solidFill>
+                <a:uFill>
+                  <a:solidFill>
+                    <a:srgbClr val="0070C0"/>
+                  </a:solidFill>
+                </a:uFill>
+                <a:hlinkClick r:id="rId5" invalidUrl="" action="" tgtFrame="" tooltip="" history="1" highlightClick="0" endSnd="0"/>
+              </a:rPr>
+              <a:t>Volltext</a:t>
+            </a:r>
+          </a:p>
+        </p:txBody>
+      </p:sp>
+    </p:spTree>
+  </p:cSld>
+  <p:clrMapOvr>
+    <a:masterClrMapping/>
+  </p:clrMapOvr>
+  <p:transition xmlns:p14="http://schemas.microsoft.com/office/powerpoint/2010/main" spd="med" advClick="1"/>
+</p:sld>
+</file>
+
+<file path=ppt/slides/slide29.xml><?xml version="1.0" encoding="utf-8"?>
+<p:sld xmlns:a="http://schemas.openxmlformats.org/drawingml/2006/main" xmlns:r="http://schemas.openxmlformats.org/officeDocument/2006/relationships" xmlns:p="http://schemas.openxmlformats.org/presentationml/2006/main" xmlns:m="http://schemas.openxmlformats.org/officeDocument/2006/math" xmlns:a14="http://schemas.microsoft.com/office/drawing/2010/main" showMasterSp="1" showMasterPhAnim="1">
+  <p:cSld>
+    <p:spTree>
+      <p:nvGrpSpPr>
+        <p:cNvPr id="1" name=""/>
+        <p:cNvGrpSpPr/>
+        <p:nvPr/>
+      </p:nvGrpSpPr>
+      <p:grpSpPr>
+        <a:xfrm>
+          <a:off x="0" y="0"/>
+          <a:ext cx="0" cy="0"/>
+          <a:chOff x="0" y="0"/>
+          <a:chExt cx="0" cy="0"/>
+        </a:xfrm>
+      </p:grpSpPr>
+      <p:sp>
+        <p:nvSpPr>
+          <p:cNvPr id="312" name="Foliennummer"/>
+          <p:cNvSpPr txBox="1"/>
+          <p:nvPr>
+            <p:ph type="sldNum" sz="quarter" idx="2"/>
+          </p:nvPr>
+        </p:nvSpPr>
+        <p:spPr>
+          <a:prstGeom prst="rect">
+            <a:avLst/>
+          </a:prstGeom>
+          <a:extLst>
+            <a:ext uri="{C572A759-6A51-4108-AA02-DFA0A04FC94B}">
+              <ma14:wrappingTextBoxFlag xmlns:ma14="http://schemas.microsoft.com/office/mac/drawingml/2011/main" val="1"/>
+            </a:ext>
+          </a:extLst>
+        </p:spPr>
+        <p:txBody>
+          <a:bodyPr/>
+          <a:lstStyle/>
+          <a:p>
+            <a:pPr/>
+            <a:fld id="{86CB4B4D-7CA3-9044-876B-883B54F8677D}" type="slidenum"/>
+          </a:p>
+        </p:txBody>
+      </p:sp>
+      <p:sp>
+        <p:nvSpPr>
+          <p:cNvPr id="313" name="Die meisten Studien sind „unter-powered“"/>
+          <p:cNvSpPr txBox="1"/>
+          <p:nvPr>
+            <p:ph type="body" idx="21"/>
+          </p:nvPr>
+        </p:nvSpPr>
+        <p:spPr>
+          <a:prstGeom prst="rect">
+            <a:avLst/>
+          </a:prstGeom>
+        </p:spPr>
+        <p:txBody>
+          <a:bodyPr/>
+          <a:lstStyle/>
+          <a:p>
+            <a:pPr/>
+            <a:r>
+              <a:t>Die meisten Studien sind „unter-powered“</a:t>
+            </a:r>
+          </a:p>
+        </p:txBody>
+      </p:sp>
+      <p:sp>
+        <p:nvSpPr>
+          <p:cNvPr id="314" name="Abstract…"/>
+          <p:cNvSpPr/>
+          <p:nvPr/>
+        </p:nvSpPr>
+        <p:spPr>
+          <a:xfrm>
+            <a:off x="574087" y="5629949"/>
+            <a:ext cx="11856626" cy="3762249"/>
+          </a:xfrm>
+          <a:prstGeom prst="rect">
+            <a:avLst/>
+          </a:prstGeom>
+          <a:ln w="12700">
+            <a:miter lim="400000"/>
+          </a:ln>
+          <a:extLst>
+            <a:ext uri="{C572A759-6A51-4108-AA02-DFA0A04FC94B}">
+              <ma14:wrappingTextBoxFlag xmlns:ma14="http://schemas.microsoft.com/office/mac/drawingml/2011/main" val="1"/>
+            </a:ext>
+          </a:extLst>
+        </p:spPr>
+        <p:txBody>
+          <a:bodyPr lIns="65023" tIns="65023" rIns="65023" bIns="65023">
+            <a:spAutoFit/>
+          </a:bodyPr>
+          <a:lstStyle/>
+          <a:p>
+            <a:pPr marL="127000" marR="127000" algn="l" defTabSz="1300480">
+              <a:spcBef>
+                <a:spcPts val="1000"/>
+              </a:spcBef>
+              <a:defRPr sz="1900"/>
+            </a:pPr>
+            <a:r>
+              <a:t>Abstract</a:t>
+            </a:r>
+          </a:p>
+          <a:p>
+            <a:pPr marL="127000" marR="127000" algn="l" defTabSz="1300480">
+              <a:spcBef>
+                <a:spcPts val="1000"/>
+              </a:spcBef>
+              <a:defRPr sz="1900"/>
+            </a:pPr>
+            <a:r>
+              <a:t>The authors evaluate the quality of research reported in major journals in social-personality psychology by ranking those journals with respect to their </a:t>
+            </a:r>
+            <a:r>
+              <a:rPr i="1"/>
+              <a:t>N</a:t>
+            </a:r>
+            <a:r>
+              <a:t>-pact Factors (NF)–the statistical power of the empirical studies they publish to detect typical effect sizes. Power is a particularly important attribute for evaluating research quality because, relative to studies that have low power, studies that have high power are more likely to (a) to provide accurate estimates of effects, (b) to produce literatures with low false positive rates, and (c) to lead to replicable findings. The authors show that the average sample size in social-personality research is 104 and that the power to detect the typical effect size in the field is approximately 50%. Moreover, they show that there is considerable variation among journals in sample sizes and power of the studies they publish, with some journals consistently publishing higher power studies than others. The authors hope that these rankings will be of use to authors who are choosing where to submit their best work, provide hiring and promotion committees with a superior way of quantifying journal quality, and encourage competition among journals to improve their NF rankings.</a:t>
+            </a:r>
+          </a:p>
+        </p:txBody>
+      </p:sp>
+      <p:pic>
+        <p:nvPicPr>
+          <p:cNvPr id="315" name="Bild" descr="Bild">
+            <a:hlinkClick r:id="rId2" invalidUrl="" action="" tgtFrame="" tooltip="" history="1" highlightClick="0" endSnd="0"/>
+          </p:cNvPr>
+          <p:cNvPicPr>
+            <a:picLocks noChangeAspect="1"/>
+          </p:cNvPicPr>
+          <p:nvPr/>
+        </p:nvPicPr>
+        <p:blipFill>
+          <a:blip r:embed="rId3">
+            <a:extLst/>
+          </a:blip>
+          <a:stretch>
+            <a:fillRect/>
+          </a:stretch>
+        </p:blipFill>
+        <p:spPr>
+          <a:xfrm>
+            <a:off x="1749538" y="1948243"/>
+            <a:ext cx="9084690" cy="3580889"/>
+          </a:xfrm>
+          <a:prstGeom prst="rect">
+            <a:avLst/>
+          </a:prstGeom>
+          <a:ln w="12700">
+            <a:miter lim="400000"/>
+          </a:ln>
+        </p:spPr>
+      </p:pic>
+    </p:spTree>
+  </p:cSld>
+  <p:clrMapOvr>
+    <a:masterClrMapping/>
+  </p:clrMapOvr>
+  <p:transition xmlns:p14="http://schemas.microsoft.com/office/powerpoint/2010/main" spd="med" advClick="1"/>
+</p:sld>
+</file>
+
+<file path=ppt/slides/slide3.xml><?xml version="1.0" encoding="utf-8"?>
+<p:sld xmlns:a="http://schemas.openxmlformats.org/drawingml/2006/main" xmlns:r="http://schemas.openxmlformats.org/officeDocument/2006/relationships" xmlns:p="http://schemas.openxmlformats.org/presentationml/2006/main" xmlns:m="http://schemas.openxmlformats.org/officeDocument/2006/math" xmlns:a14="http://schemas.microsoft.com/office/drawing/2010/main" showMasterSp="1" showMasterPhAnim="1">
+  <p:cSld>
+    <p:spTree>
+      <p:nvGrpSpPr>
+        <p:cNvPr id="1" name=""/>
+        <p:cNvGrpSpPr/>
+        <p:nvPr/>
+      </p:nvGrpSpPr>
+      <p:grpSpPr>
+        <a:xfrm>
+          <a:off x="0" y="0"/>
+          <a:ext cx="0" cy="0"/>
+          <a:chOff x="0" y="0"/>
+          <a:chExt cx="0" cy="0"/>
+        </a:xfrm>
+      </p:grpSpPr>
+      <p:sp>
+        <p:nvSpPr>
+          <p:cNvPr id="166" name="Foliennummer"/>
+          <p:cNvSpPr txBox="1"/>
+          <p:nvPr>
+            <p:ph type="sldNum" sz="quarter" idx="2"/>
+          </p:nvPr>
+        </p:nvSpPr>
+        <p:spPr>
+          <a:prstGeom prst="rect">
+            <a:avLst/>
+          </a:prstGeom>
+          <a:extLst>
+            <a:ext uri="{C572A759-6A51-4108-AA02-DFA0A04FC94B}">
+              <ma14:wrappingTextBoxFlag xmlns:ma14="http://schemas.microsoft.com/office/mac/drawingml/2011/main" val="1"/>
+            </a:ext>
+          </a:extLst>
+        </p:spPr>
+        <p:txBody>
+          <a:bodyPr/>
+          <a:lstStyle/>
+          <a:p>
+            <a:pPr/>
+            <a:fld id="{86CB4B4D-7CA3-9044-876B-883B54F8677D}" type="slidenum"/>
+          </a:p>
+        </p:txBody>
+      </p:sp>
+      <p:sp>
+        <p:nvSpPr>
+          <p:cNvPr id="167" name="Meehls Paradox"/>
+          <p:cNvSpPr txBox="1"/>
+          <p:nvPr>
+            <p:ph type="body" idx="21"/>
+          </p:nvPr>
+        </p:nvSpPr>
+        <p:spPr>
+          <a:prstGeom prst="rect">
+            <a:avLst/>
+          </a:prstGeom>
+        </p:spPr>
+        <p:txBody>
+          <a:bodyPr/>
+          <a:lstStyle/>
+          <a:p>
+            <a:pPr/>
+            <a:r>
+              <a:t>Meehls Paradox </a:t>
+            </a:r>
+          </a:p>
+        </p:txBody>
+      </p:sp>
+      <p:sp>
+        <p:nvSpPr>
+          <p:cNvPr id="168" name="Jede Hypothese der Art „der Effekt ist ungleich Null“ kann zu Meehls Paradox führen.…"/>
+          <p:cNvSpPr txBox="1"/>
+          <p:nvPr>
+            <p:ph type="body" idx="22"/>
+          </p:nvPr>
+        </p:nvSpPr>
+        <p:spPr>
+          <a:prstGeom prst="rect">
+            <a:avLst/>
+          </a:prstGeom>
+        </p:spPr>
+        <p:txBody>
+          <a:bodyPr/>
+          <a:lstStyle/>
+          <a:p>
+            <a:pPr marL="452119" marR="113029" indent="-339089" defTabSz="1157427">
+              <a:spcBef>
+                <a:spcPts val="800"/>
+              </a:spcBef>
+              <a:defRPr sz="2136"/>
+            </a:pPr>
+            <a:r>
+              <a:t>Jede Hypothese der Art „der Effekt ist ungleich Null“ kann zu Meehls Paradox führen.</a:t>
+            </a:r>
+          </a:p>
+          <a:p>
+            <a:pPr marL="452119" marR="113029" indent="-339089" defTabSz="1157427">
+              <a:spcBef>
+                <a:spcPts val="800"/>
+              </a:spcBef>
+              <a:defRPr sz="2136"/>
+            </a:pPr>
+            <a:r>
+              <a:t>Je größer die Stichprobe, desto einfacher wird es, die Hypothese zu bestätigen und desto schwieriger, sie zu verwerfen.</a:t>
+            </a:r>
+          </a:p>
+          <a:p>
+            <a:pPr marL="452119" marR="113029" indent="-339089" defTabSz="1157427">
+              <a:spcBef>
+                <a:spcPts val="800"/>
+              </a:spcBef>
+              <a:defRPr sz="2136"/>
+            </a:pPr>
+            <a:r>
+              <a:t>Aber Wissenschaft sollte genau umgekehrt laufen: Große Stichproben erlauben genauere Messungen und sollten daher kleinere Fehler aufdecken bzw. Fehler mit höherer Sicherheit aufdecken. Daher sollten größere Stichproben es einer Hypothese schwieriger machen.</a:t>
+            </a:r>
+          </a:p>
+          <a:p>
+            <a:pPr marL="452119" marR="113029" indent="-339089" defTabSz="1157427">
+              <a:spcBef>
+                <a:spcPts val="800"/>
+              </a:spcBef>
+              <a:defRPr sz="2136"/>
+            </a:pPr>
+            <a:r>
+              <a:t>Beispiel: Die Lichtgeschwindigkeit beträgt (laut der aktuellen Hypothese) 299,792.458 m/s. Genauere Messungen (durch größere Stichproben) sollten es der Hypothese mehr zusetzen als kleinere Stichproben.</a:t>
+            </a:r>
+          </a:p>
+          <a:p>
+            <a:pPr marL="452119" marR="113029" indent="-339089" defTabSz="1157427">
+              <a:spcBef>
+                <a:spcPts val="800"/>
+              </a:spcBef>
+              <a:defRPr sz="2136"/>
+            </a:pPr>
+            <a:r>
+              <a:t>Das Testen von Nullhypothesen (z.B. in den Sozialwissenschaften, kaum in der Physik) lädt das Meehlsche Paradox ein.</a:t>
+            </a:r>
+          </a:p>
+        </p:txBody>
+      </p:sp>
+      <p:pic>
+        <p:nvPicPr>
+          <p:cNvPr id="169" name="Bild" descr="Bild"/>
+          <p:cNvPicPr>
+            <a:picLocks noChangeAspect="1"/>
+          </p:cNvPicPr>
+          <p:nvPr/>
+        </p:nvPicPr>
+        <p:blipFill>
+          <a:blip r:embed="rId2">
+            <a:extLst/>
+          </a:blip>
+          <a:stretch>
+            <a:fillRect/>
+          </a:stretch>
+        </p:blipFill>
+        <p:spPr>
+          <a:xfrm>
+            <a:off x="1134287" y="2099930"/>
+            <a:ext cx="3619501" cy="4419601"/>
+          </a:xfrm>
+          <a:prstGeom prst="rect">
+            <a:avLst/>
+          </a:prstGeom>
+          <a:ln w="12700">
+            <a:miter lim="400000"/>
+          </a:ln>
+        </p:spPr>
+      </p:pic>
+      <p:sp>
+        <p:nvSpPr>
+          <p:cNvPr id="170" name="Paul Meehl, 1920-2003"/>
+          <p:cNvSpPr txBox="1"/>
+          <p:nvPr/>
+        </p:nvSpPr>
+        <p:spPr>
+          <a:xfrm>
+            <a:off x="1402495" y="6717957"/>
+            <a:ext cx="2884610" cy="485649"/>
+          </a:xfrm>
+          <a:prstGeom prst="rect">
+            <a:avLst/>
+          </a:prstGeom>
+          <a:ln w="12700">
+            <a:miter lim="400000"/>
+          </a:ln>
+          <a:extLst>
+            <a:ext uri="{C572A759-6A51-4108-AA02-DFA0A04FC94B}">
+              <ma14:wrappingTextBoxFlag xmlns:ma14="http://schemas.microsoft.com/office/mac/drawingml/2011/main" val="1"/>
+            </a:ext>
+          </a:extLst>
+        </p:spPr>
+        <p:txBody>
+          <a:bodyPr wrap="none" lIns="65023" tIns="65023" rIns="65023" bIns="65023">
+            <a:spAutoFit/>
+          </a:bodyPr>
+          <a:lstStyle>
+            <a:lvl1pPr>
+              <a:defRPr u="sng">
+                <a:solidFill>
+                  <a:srgbClr val="0070C0"/>
+                </a:solidFill>
+                <a:uFill>
+                  <a:solidFill>
+                    <a:srgbClr val="0070C0"/>
+                  </a:solidFill>
+                </a:uFill>
+                <a:hlinkClick r:id="rId3" invalidUrl="" action="" tgtFrame="" tooltip="" history="1" highlightClick="0" endSnd="0"/>
+              </a:defRPr>
+            </a:lvl1pPr>
+          </a:lstStyle>
+          <a:p>
+            <a:pPr>
+              <a:defRPr u="none">
+                <a:solidFill>
+                  <a:srgbClr val="000000"/>
+                </a:solidFill>
+                <a:uFillTx/>
+              </a:defRPr>
+            </a:pPr>
+            <a:r>
+              <a:rPr u="sng">
+                <a:solidFill>
+                  <a:srgbClr val="0070C0"/>
+                </a:solidFill>
+                <a:uFill>
+                  <a:solidFill>
+                    <a:srgbClr val="0070C0"/>
+                  </a:solidFill>
+                </a:uFill>
+                <a:hlinkClick r:id="rId3" invalidUrl="" action="" tgtFrame="" tooltip="" history="1" highlightClick="0" endSnd="0"/>
+              </a:rPr>
+              <a:t>Paul Meehl, 1920-2003</a:t>
+            </a:r>
+          </a:p>
+        </p:txBody>
+      </p:sp>
+      <p:sp>
+        <p:nvSpPr>
+          <p:cNvPr id="171" name="Bildquelle"/>
+          <p:cNvSpPr txBox="1"/>
+          <p:nvPr/>
+        </p:nvSpPr>
+        <p:spPr>
+          <a:xfrm>
+            <a:off x="294709" y="9152427"/>
+            <a:ext cx="733745" cy="307849"/>
+          </a:xfrm>
+          <a:prstGeom prst="rect">
+            <a:avLst/>
+          </a:prstGeom>
+          <a:ln w="12700">
+            <a:miter lim="400000"/>
+          </a:ln>
+          <a:extLst>
+            <a:ext uri="{C572A759-6A51-4108-AA02-DFA0A04FC94B}">
+              <ma14:wrappingTextBoxFlag xmlns:ma14="http://schemas.microsoft.com/office/mac/drawingml/2011/main" val="1"/>
+            </a:ext>
+          </a:extLst>
+        </p:spPr>
+        <p:txBody>
+          <a:bodyPr wrap="none" lIns="65023" tIns="65023" rIns="65023" bIns="65023">
+            <a:spAutoFit/>
+          </a:bodyPr>
+          <a:lstStyle>
+            <a:lvl1pPr>
+              <a:defRPr sz="1200" u="sng">
+                <a:solidFill>
+                  <a:srgbClr val="0070C0"/>
+                </a:solidFill>
+                <a:uFill>
+                  <a:solidFill>
+                    <a:srgbClr val="0070C0"/>
+                  </a:solidFill>
+                </a:uFill>
+                <a:hlinkClick r:id="rId3" invalidUrl="" action="" tgtFrame="" tooltip="" history="1" highlightClick="0" endSnd="0"/>
+              </a:defRPr>
+            </a:lvl1pPr>
+          </a:lstStyle>
+          <a:p>
+            <a:pPr>
+              <a:defRPr u="none">
+                <a:solidFill>
+                  <a:srgbClr val="000000"/>
+                </a:solidFill>
+                <a:uFillTx/>
+              </a:defRPr>
+            </a:pPr>
+            <a:r>
+              <a:rPr u="sng">
+                <a:solidFill>
+                  <a:srgbClr val="0070C0"/>
+                </a:solidFill>
+                <a:uFill>
+                  <a:solidFill>
+                    <a:srgbClr val="0070C0"/>
+                  </a:solidFill>
+                </a:uFill>
+                <a:hlinkClick r:id="rId3" invalidUrl="" action="" tgtFrame="" tooltip="" history="1" highlightClick="0" endSnd="0"/>
+              </a:rPr>
+              <a:t>Bildquelle</a:t>
+            </a:r>
+          </a:p>
+        </p:txBody>
+      </p:sp>
+    </p:spTree>
+  </p:cSld>
+  <p:clrMapOvr>
+    <a:masterClrMapping/>
+  </p:clrMapOvr>
+  <p:transition xmlns:p14="http://schemas.microsoft.com/office/powerpoint/2010/main" spd="med" advClick="1"/>
+</p:sld>
+</file>
+
+<file path=ppt/slides/slide30.xml><?xml version="1.0" encoding="utf-8"?>
+<p:sld xmlns:a="http://schemas.openxmlformats.org/drawingml/2006/main" xmlns:r="http://schemas.openxmlformats.org/officeDocument/2006/relationships" xmlns:p="http://schemas.openxmlformats.org/presentationml/2006/main" xmlns:m="http://schemas.openxmlformats.org/officeDocument/2006/math" xmlns:a14="http://schemas.microsoft.com/office/drawing/2010/main" showMasterSp="1" showMasterPhAnim="1">
+  <p:cSld>
+    <p:spTree>
+      <p:nvGrpSpPr>
+        <p:cNvPr id="1" name=""/>
+        <p:cNvGrpSpPr/>
+        <p:nvPr/>
+      </p:nvGrpSpPr>
+      <p:grpSpPr>
+        <a:xfrm>
+          <a:off x="0" y="0"/>
+          <a:ext cx="0" cy="0"/>
+          <a:chOff x="0" y="0"/>
+          <a:chExt cx="0" cy="0"/>
+        </a:xfrm>
+      </p:grpSpPr>
+      <p:sp>
+        <p:nvSpPr>
+          <p:cNvPr id="317" name="Foliennummer"/>
+          <p:cNvSpPr txBox="1"/>
+          <p:nvPr>
+            <p:ph type="sldNum" sz="quarter" idx="2"/>
+          </p:nvPr>
+        </p:nvSpPr>
+        <p:spPr>
+          <a:prstGeom prst="rect">
+            <a:avLst/>
+          </a:prstGeom>
+          <a:extLst>
+            <a:ext uri="{C572A759-6A51-4108-AA02-DFA0A04FC94B}">
+              <ma14:wrappingTextBoxFlag xmlns:ma14="http://schemas.microsoft.com/office/mac/drawingml/2011/main" val="1"/>
+            </a:ext>
+          </a:extLst>
+        </p:spPr>
+        <p:txBody>
+          <a:bodyPr/>
+          <a:lstStyle>
+            <a:lvl1pPr>
+              <a:defRPr>
+                <a:solidFill>
+                  <a:srgbClr val="262626"/>
+                </a:solidFill>
+              </a:defRPr>
+            </a:lvl1pPr>
+          </a:lstStyle>
+          <a:p>
+            <a:pPr/>
+            <a:fld id="{86CB4B4D-7CA3-9044-876B-883B54F8677D}" type="slidenum"/>
+          </a:p>
+        </p:txBody>
+      </p:sp>
+      <p:sp>
+        <p:nvSpPr>
+          <p:cNvPr id="318" name="Bei großen Gruppen werden die Parameter gut geschätzt"/>
+          <p:cNvSpPr txBox="1"/>
+          <p:nvPr>
+            <p:ph type="body" idx="21"/>
+          </p:nvPr>
+        </p:nvSpPr>
+        <p:spPr>
+          <a:prstGeom prst="rect">
+            <a:avLst/>
+          </a:prstGeom>
+        </p:spPr>
+        <p:txBody>
+          <a:bodyPr/>
+          <a:lstStyle>
+            <a:lvl1pPr marL="116839" marR="116839" indent="116839" defTabSz="1196441">
+              <a:defRPr sz="5704"/>
+            </a:lvl1pPr>
+          </a:lstStyle>
+          <a:p>
+            <a:pPr/>
+            <a:r>
+              <a:t>Bei großen Gruppen werden die Parameter gut geschätzt</a:t>
+            </a:r>
+          </a:p>
+        </p:txBody>
+      </p:sp>
+      <p:pic>
+        <p:nvPicPr>
+          <p:cNvPr id="319" name="Bild" descr="Bild"/>
+          <p:cNvPicPr>
+            <a:picLocks noChangeAspect="1"/>
+          </p:cNvPicPr>
+          <p:nvPr/>
+        </p:nvPicPr>
+        <p:blipFill>
+          <a:blip r:embed="rId2">
+            <a:extLst/>
+          </a:blip>
+          <a:srcRect l="0" t="16622" r="5753" b="5438"/>
+          <a:stretch>
+            <a:fillRect/>
+          </a:stretch>
+        </p:blipFill>
+        <p:spPr>
+          <a:xfrm>
+            <a:off x="6223503" y="2658586"/>
+            <a:ext cx="6390251" cy="3523059"/>
+          </a:xfrm>
+          <a:prstGeom prst="rect">
+            <a:avLst/>
+          </a:prstGeom>
+          <a:ln w="12700">
+            <a:miter lim="400000"/>
+          </a:ln>
+        </p:spPr>
+      </p:pic>
+      <p:sp>
+        <p:nvSpPr>
+          <p:cNvPr id="320" name="http://www.statisticsdonewrong.com/regression.html"/>
+          <p:cNvSpPr/>
+          <p:nvPr/>
+        </p:nvSpPr>
+        <p:spPr>
+          <a:xfrm>
+            <a:off x="222483" y="8730407"/>
+            <a:ext cx="5453457" cy="389270"/>
+          </a:xfrm>
+          <a:prstGeom prst="rect">
+            <a:avLst/>
+          </a:prstGeom>
+          <a:ln w="12700">
+            <a:miter lim="400000"/>
+          </a:ln>
+          <a:extLst>
+            <a:ext uri="{C572A759-6A51-4108-AA02-DFA0A04FC94B}">
+              <ma14:wrappingTextBoxFlag xmlns:ma14="http://schemas.microsoft.com/office/mac/drawingml/2011/main" val="1"/>
+            </a:ext>
+          </a:extLst>
+        </p:spPr>
+        <p:txBody>
+          <a:bodyPr wrap="none" lIns="65023" tIns="65023" rIns="65023" bIns="65023">
+            <a:spAutoFit/>
+          </a:bodyPr>
+          <a:lstStyle/>
+          <a:p>
+            <a:pPr algn="l">
+              <a:defRPr sz="1800">
+                <a:solidFill>
+                  <a:srgbClr val="262626"/>
+                </a:solidFill>
+                <a:latin typeface="Arial"/>
+                <a:ea typeface="Arial"/>
+                <a:cs typeface="Arial"/>
+                <a:sym typeface="Arial"/>
+              </a:defRPr>
+            </a:pPr>
+            <a:r>
+              <a:rPr u="sng">
+                <a:solidFill>
+                  <a:srgbClr val="0070C0"/>
+                </a:solidFill>
+                <a:uFill>
+                  <a:solidFill>
+                    <a:srgbClr val="0070C0"/>
+                  </a:solidFill>
+                </a:uFill>
+                <a:hlinkClick r:id="rId3" invalidUrl="" action="" tgtFrame="" tooltip="" history="1" highlightClick="0" endSnd="0"/>
+              </a:rPr>
+              <a:t>http://www.statisticsdonewrong.com/regression.html</a:t>
+            </a:r>
+            <a:r>
+              <a:t> </a:t>
+            </a:r>
+          </a:p>
+        </p:txBody>
+      </p:sp>
+      <p:sp>
+        <p:nvSpPr>
+          <p:cNvPr id="321" name="Stellen wir uns vor, Sie die Qualität von Schulen zu beurteilen; dazu werden „test scores“ ermittelt.…"/>
+          <p:cNvSpPr/>
+          <p:nvPr/>
+        </p:nvSpPr>
+        <p:spPr>
+          <a:xfrm>
+            <a:off x="219627" y="2094491"/>
+            <a:ext cx="5459169" cy="4651249"/>
+          </a:xfrm>
+          <a:prstGeom prst="rect">
+            <a:avLst/>
+          </a:prstGeom>
+          <a:ln w="12700">
+            <a:miter lim="400000"/>
+          </a:ln>
+          <a:extLst>
+            <a:ext uri="{C572A759-6A51-4108-AA02-DFA0A04FC94B}">
+              <ma14:wrappingTextBoxFlag xmlns:ma14="http://schemas.microsoft.com/office/mac/drawingml/2011/main" val="1"/>
+            </a:ext>
+          </a:extLst>
+        </p:spPr>
+        <p:txBody>
+          <a:bodyPr lIns="65023" tIns="65023" rIns="65023" bIns="65023">
+            <a:spAutoFit/>
+          </a:bodyPr>
+          <a:lstStyle/>
+          <a:p>
+            <a:pPr marL="508000" marR="127000" indent="-381000" algn="l" defTabSz="1300480">
+              <a:spcBef>
+                <a:spcPts val="1000"/>
+              </a:spcBef>
+              <a:buClr>
+                <a:schemeClr val="accent5"/>
+              </a:buClr>
+              <a:buSzPct val="70000"/>
+              <a:buFont typeface="Arial"/>
+              <a:buChar char="▶︎"/>
+            </a:pPr>
+            <a:r>
+              <a:t>Stellen wir uns vor, Sie die Qualität von Schulen zu beurteilen; dazu werden „test scores“ ermittelt.</a:t>
+            </a:r>
+          </a:p>
+          <a:p>
+            <a:pPr marL="508000" marR="127000" indent="-381000" algn="l" defTabSz="1300480">
+              <a:spcBef>
+                <a:spcPts val="1000"/>
+              </a:spcBef>
+              <a:buClr>
+                <a:schemeClr val="accent5"/>
+              </a:buClr>
+              <a:buSzPct val="70000"/>
+              <a:buFont typeface="Arial"/>
+              <a:buChar char="▶︎"/>
+            </a:pPr>
+            <a:r>
+              <a:t>Sie schauen sich die besten 5 % an: Aha, die kleinsten Schulen schneiden am besten ab. Überrascht mich nicht, ist doch logisch – familiäre Atmosphäre…</a:t>
+            </a:r>
+          </a:p>
+          <a:p>
+            <a:pPr marL="508000" marR="127000" indent="-381000" algn="l" defTabSz="1300480">
+              <a:spcBef>
+                <a:spcPts val="1000"/>
+              </a:spcBef>
+              <a:buClr>
+                <a:schemeClr val="accent5"/>
+              </a:buClr>
+              <a:buSzPct val="70000"/>
+              <a:buFont typeface="Arial"/>
+              <a:buChar char="▶︎"/>
+            </a:pPr>
+            <a:r>
+              <a:t>Jetzt schauen Sie sich die untersten 5 % der Schulen an. Ja was ist denn das: Wieder lauter kleine Schulen! Da stimmt doch was nicht!</a:t>
+            </a:r>
+          </a:p>
+        </p:txBody>
+      </p:sp>
+      <p:sp>
+        <p:nvSpPr>
+          <p:cNvPr id="322" name="Tatsächlich hat alles seine Ordnung: In großen Schulen wir aufgrund der großen Stichprobengröße genau geschätzt – es resultieren mittlere Werte. Bei kleinen Schulen ist die Schätzgenauigkeit schlechter. Die Qualitätswerte streuen mehr, man findet mehr Ex"/>
+          <p:cNvSpPr/>
+          <p:nvPr/>
+        </p:nvSpPr>
+        <p:spPr>
+          <a:xfrm>
+            <a:off x="234077" y="7009262"/>
+            <a:ext cx="12062234" cy="1552449"/>
+          </a:xfrm>
+          <a:prstGeom prst="rect">
+            <a:avLst/>
+          </a:prstGeom>
+          <a:ln w="12700">
+            <a:miter lim="400000"/>
+          </a:ln>
+          <a:extLst>
+            <a:ext uri="{C572A759-6A51-4108-AA02-DFA0A04FC94B}">
+              <ma14:wrappingTextBoxFlag xmlns:ma14="http://schemas.microsoft.com/office/mac/drawingml/2011/main" val="1"/>
+            </a:ext>
+          </a:extLst>
+        </p:spPr>
+        <p:txBody>
+          <a:bodyPr lIns="65023" tIns="65023" rIns="65023" bIns="65023">
+            <a:spAutoFit/>
+          </a:bodyPr>
+          <a:lstStyle>
+            <a:lvl1pPr marL="127000" marR="127000" algn="l" defTabSz="1300480">
+              <a:spcBef>
+                <a:spcPts val="1000"/>
+              </a:spcBef>
+            </a:lvl1pPr>
+          </a:lstStyle>
+          <a:p>
+            <a:pPr/>
+            <a:r>
+              <a:t>Tatsächlich hat alles seine Ordnung: In großen Schulen wir aufgrund der großen Stichprobengröße genau geschätzt – es resultieren mittlere Werte. Bei kleinen Schulen ist die Schätzgenauigkeit schlechter. Die Qualitätswerte streuen mehr, man findet mehr Extreme. In beide Richtungen.</a:t>
+            </a:r>
+          </a:p>
+        </p:txBody>
+      </p:sp>
+    </p:spTree>
+  </p:cSld>
+  <p:clrMapOvr>
+    <a:masterClrMapping/>
+  </p:clrMapOvr>
+  <p:transition xmlns:p14="http://schemas.microsoft.com/office/powerpoint/2010/main" spd="med" advClick="1"/>
+</p:sld>
+</file>
+
+<file path=ppt/slides/slide31.xml><?xml version="1.0" encoding="utf-8"?>
+<p:sld xmlns:a="http://schemas.openxmlformats.org/drawingml/2006/main" xmlns:r="http://schemas.openxmlformats.org/officeDocument/2006/relationships" xmlns:p="http://schemas.openxmlformats.org/presentationml/2006/main" xmlns:m="http://schemas.openxmlformats.org/officeDocument/2006/math" xmlns:a14="http://schemas.microsoft.com/office/drawing/2010/main" showMasterSp="1" showMasterPhAnim="1">
+  <p:cSld>
+    <p:spTree>
+      <p:nvGrpSpPr>
+        <p:cNvPr id="1" name=""/>
+        <p:cNvGrpSpPr/>
+        <p:nvPr/>
+      </p:nvGrpSpPr>
+      <p:grpSpPr>
+        <a:xfrm>
+          <a:off x="0" y="0"/>
+          <a:ext cx="0" cy="0"/>
+          <a:chOff x="0" y="0"/>
+          <a:chExt cx="0" cy="0"/>
+        </a:xfrm>
+      </p:grpSpPr>
+      <p:sp>
+        <p:nvSpPr>
+          <p:cNvPr id="324" name="Rechteck"/>
           <p:cNvSpPr/>
           <p:nvPr/>
         </p:nvSpPr>
@@ -9829,7 +11067,7 @@
       </p:sp>
       <p:sp>
         <p:nvSpPr>
-          <p:cNvPr id="305" name="Foliennummer"/>
+          <p:cNvPr id="325" name="Foliennummer"/>
           <p:cNvSpPr txBox="1"/>
           <p:nvPr>
             <p:ph type="sldNum" sz="quarter" idx="2"/>
@@ -9864,7 +11102,7 @@
       </p:sp>
       <p:sp>
         <p:nvSpPr>
-          <p:cNvPr id="306" name="Erarbeiten Sie das Studiendesign einer Studie!"/>
+          <p:cNvPr id="326" name="Erarbeiten Sie das Studiendesign einer Studie!"/>
           <p:cNvSpPr txBox="1"/>
           <p:nvPr>
             <p:ph type="body" idx="21"/>
@@ -9888,7 +11126,7 @@
       </p:sp>
       <p:sp>
         <p:nvSpPr>
-          <p:cNvPr id="307" name="Name der Studie…"/>
+          <p:cNvPr id="327" name="Name der Studie…"/>
           <p:cNvSpPr/>
           <p:nvPr/>
         </p:nvSpPr>
@@ -10061,7 +11299,7 @@
       </p:sp>
       <p:pic>
         <p:nvPicPr>
-          <p:cNvPr id="308" name="Bild" descr="Bild">
+          <p:cNvPr id="328" name="Bild" descr="Bild">
             <a:hlinkClick r:id="rId2" invalidUrl="" action="" tgtFrame="" tooltip="" history="1" highlightClick="0" endSnd="0"/>
           </p:cNvPr>
           <p:cNvPicPr>
@@ -10095,7 +11333,7 @@
       </p:pic>
       <p:sp>
         <p:nvSpPr>
-          <p:cNvPr id="309" name="www.plosone.org"/>
+          <p:cNvPr id="329" name="www.plosone.org"/>
           <p:cNvSpPr/>
           <p:nvPr/>
         </p:nvSpPr>
@@ -10167,7 +11405,7 @@
       </p:sp>
       <p:sp>
         <p:nvSpPr>
-          <p:cNvPr id="310" name="Suchen Sie sich eine empirische Studie."/>
+          <p:cNvPr id="330" name="Suchen Sie sich eine empirische Studie."/>
           <p:cNvSpPr/>
           <p:nvPr/>
         </p:nvSpPr>
@@ -10215,7 +11453,7 @@
       </p:sp>
       <p:sp>
         <p:nvSpPr>
-          <p:cNvPr id="311" name="Werten Sie sie mit diesen Fragen aus:"/>
+          <p:cNvPr id="331" name="Werten Sie sie mit diesen Fragen aus:"/>
           <p:cNvSpPr/>
           <p:nvPr/>
         </p:nvSpPr>
@@ -10263,7 +11501,7 @@
       </p:sp>
       <p:sp>
         <p:nvSpPr>
-          <p:cNvPr id="312" name="Präsentieren Sie Ihre Ergebnisse"/>
+          <p:cNvPr id="332" name="Präsentieren Sie Ihre Ergebnisse"/>
           <p:cNvSpPr/>
           <p:nvPr/>
         </p:nvSpPr>
@@ -10311,7 +11549,7 @@
       </p:sp>
       <p:sp>
         <p:nvSpPr>
-          <p:cNvPr id="313" name="1"/>
+          <p:cNvPr id="333" name="1"/>
           <p:cNvSpPr/>
           <p:nvPr/>
         </p:nvSpPr>
@@ -10368,7 +11606,7 @@
       </p:sp>
       <p:sp>
         <p:nvSpPr>
-          <p:cNvPr id="314" name="2"/>
+          <p:cNvPr id="334" name="2"/>
           <p:cNvSpPr/>
           <p:nvPr/>
         </p:nvSpPr>
@@ -10425,7 +11663,7 @@
       </p:sp>
       <p:sp>
         <p:nvSpPr>
-          <p:cNvPr id="315" name="Dreieck"/>
+          <p:cNvPr id="335" name="Dreieck"/>
           <p:cNvSpPr/>
           <p:nvPr/>
         </p:nvSpPr>
@@ -10498,7 +11736,7 @@
       </p:sp>
       <p:sp>
         <p:nvSpPr>
-          <p:cNvPr id="316" name="3"/>
+          <p:cNvPr id="336" name="3"/>
           <p:cNvSpPr/>
           <p:nvPr/>
         </p:nvSpPr>
@@ -10555,7 +11793,7 @@
       </p:sp>
       <p:sp>
         <p:nvSpPr>
-          <p:cNvPr id="317" name="Ziel der Übung ist es, das Versuchsdesign (sowie Ergebnisse) zu verstehen…"/>
+          <p:cNvPr id="337" name="Ziel der Übung ist es, das Versuchsdesign (sowie Ergebnisse) zu verstehen…"/>
           <p:cNvSpPr/>
           <p:nvPr/>
         </p:nvSpPr>
@@ -10707,7 +11945,7 @@
       </p:sp>
       <p:sp>
         <p:nvSpPr>
-          <p:cNvPr id="318" name="Spielregeln"/>
+          <p:cNvPr id="338" name="Spielregeln"/>
           <p:cNvSpPr/>
           <p:nvPr/>
         </p:nvSpPr>
@@ -10755,7 +11993,7 @@
       </p:sp>
       <p:sp>
         <p:nvSpPr>
-          <p:cNvPr id="319" name="z. B. hier:"/>
+          <p:cNvPr id="339" name="z. B. hier:"/>
           <p:cNvSpPr/>
           <p:nvPr/>
         </p:nvSpPr>
@@ -10803,7 +12041,7 @@
       </p:sp>
       <p:sp>
         <p:nvSpPr>
-          <p:cNvPr id="320" name="Dreieck"/>
+          <p:cNvPr id="340" name="Dreieck"/>
           <p:cNvSpPr/>
           <p:nvPr/>
         </p:nvSpPr>
@@ -10876,14 +12114,14 @@
       </p:sp>
       <p:sp>
         <p:nvSpPr>
-          <p:cNvPr id="321" name="Saxophon"/>
+          <p:cNvPr id="341" name="Saxophon"/>
           <p:cNvSpPr/>
           <p:nvPr/>
         </p:nvSpPr>
         <p:spPr>
           <a:xfrm>
-            <a:off x="1262021" y="6862646"/>
-            <a:ext cx="857949" cy="1504912"/>
+            <a:off x="1262021" y="6862647"/>
+            <a:ext cx="857949" cy="1504911"/>
           </a:xfrm>
           <a:custGeom>
             <a:avLst/>
@@ -11861,14 +13099,14 @@
       </p:sp>
       <p:sp>
         <p:nvSpPr>
-          <p:cNvPr id="322" name="Fuß"/>
+          <p:cNvPr id="342" name="Fuß"/>
           <p:cNvSpPr/>
           <p:nvPr/>
         </p:nvSpPr>
         <p:spPr>
           <a:xfrm>
-            <a:off x="2703240" y="7075810"/>
-            <a:ext cx="1415188" cy="1079700"/>
+            <a:off x="2703240" y="7075809"/>
+            <a:ext cx="1415188" cy="1079701"/>
           </a:xfrm>
           <a:custGeom>
             <a:avLst/>
@@ -11985,14 +13223,14 @@
       </p:sp>
       <p:sp>
         <p:nvSpPr>
-          <p:cNvPr id="323" name="Megafon"/>
+          <p:cNvPr id="343" name="Megafon"/>
           <p:cNvSpPr/>
           <p:nvPr/>
         </p:nvSpPr>
         <p:spPr>
           <a:xfrm>
-            <a:off x="4541381" y="7384536"/>
-            <a:ext cx="1522623" cy="771304"/>
+            <a:off x="4541382" y="7384536"/>
+            <a:ext cx="1522622" cy="771304"/>
           </a:xfrm>
           <a:custGeom>
             <a:avLst/>
@@ -12146,14 +13384,14 @@
       </p:sp>
       <p:sp>
         <p:nvSpPr>
-          <p:cNvPr id="324" name="so, wie es Ihnen am meisten Spaß macht"/>
+          <p:cNvPr id="344" name="so, wie es Ihnen am meisten Spaß macht"/>
           <p:cNvSpPr txBox="1"/>
           <p:nvPr/>
         </p:nvSpPr>
         <p:spPr>
           <a:xfrm>
             <a:off x="957391" y="8482076"/>
-            <a:ext cx="5039343" cy="485648"/>
+            <a:ext cx="5039343" cy="485649"/>
           </a:xfrm>
           <a:prstGeom prst="rect">
             <a:avLst/>
@@ -12176,321 +13414,6 @@
             <a:pPr/>
             <a:r>
               <a:t>so, wie es Ihnen am meisten Spaß macht</a:t>
-            </a:r>
-          </a:p>
-        </p:txBody>
-      </p:sp>
-    </p:spTree>
-  </p:cSld>
-  <p:clrMapOvr>
-    <a:masterClrMapping/>
-  </p:clrMapOvr>
-  <p:transition xmlns:p14="http://schemas.microsoft.com/office/powerpoint/2010/main" spd="med" advClick="1"/>
-</p:sld>
-</file>
-
-<file path=ppt/slides/slide3.xml><?xml version="1.0" encoding="utf-8"?>
-<p:sld xmlns:a="http://schemas.openxmlformats.org/drawingml/2006/main" xmlns:r="http://schemas.openxmlformats.org/officeDocument/2006/relationships" xmlns:p="http://schemas.openxmlformats.org/presentationml/2006/main" xmlns:m="http://schemas.openxmlformats.org/officeDocument/2006/math" xmlns:a14="http://schemas.microsoft.com/office/drawing/2010/main" showMasterSp="1" showMasterPhAnim="1">
-  <p:cSld>
-    <p:spTree>
-      <p:nvGrpSpPr>
-        <p:cNvPr id="1" name=""/>
-        <p:cNvGrpSpPr/>
-        <p:nvPr/>
-      </p:nvGrpSpPr>
-      <p:grpSpPr>
-        <a:xfrm>
-          <a:off x="0" y="0"/>
-          <a:ext cx="0" cy="0"/>
-          <a:chOff x="0" y="0"/>
-          <a:chExt cx="0" cy="0"/>
-        </a:xfrm>
-      </p:grpSpPr>
-      <p:sp>
-        <p:nvSpPr>
-          <p:cNvPr id="166" name="Foliennummer"/>
-          <p:cNvSpPr txBox="1"/>
-          <p:nvPr>
-            <p:ph type="sldNum" sz="quarter" idx="2"/>
-          </p:nvPr>
-        </p:nvSpPr>
-        <p:spPr>
-          <a:prstGeom prst="rect">
-            <a:avLst/>
-          </a:prstGeom>
-          <a:extLst>
-            <a:ext uri="{C572A759-6A51-4108-AA02-DFA0A04FC94B}">
-              <ma14:wrappingTextBoxFlag xmlns:ma14="http://schemas.microsoft.com/office/mac/drawingml/2011/main" val="1"/>
-            </a:ext>
-          </a:extLst>
-        </p:spPr>
-        <p:txBody>
-          <a:bodyPr/>
-          <a:lstStyle/>
-          <a:p>
-            <a:pPr/>
-            <a:fld id="{86CB4B4D-7CA3-9044-876B-883B54F8677D}" type="slidenum"/>
-          </a:p>
-        </p:txBody>
-      </p:sp>
-      <p:sp>
-        <p:nvSpPr>
-          <p:cNvPr id="167" name="Meehls Paradox"/>
-          <p:cNvSpPr txBox="1"/>
-          <p:nvPr>
-            <p:ph type="body" idx="21"/>
-          </p:nvPr>
-        </p:nvSpPr>
-        <p:spPr>
-          <a:prstGeom prst="rect">
-            <a:avLst/>
-          </a:prstGeom>
-        </p:spPr>
-        <p:txBody>
-          <a:bodyPr/>
-          <a:lstStyle/>
-          <a:p>
-            <a:pPr/>
-            <a:r>
-              <a:t>Meehls Paradox </a:t>
-            </a:r>
-          </a:p>
-        </p:txBody>
-      </p:sp>
-      <p:sp>
-        <p:nvSpPr>
-          <p:cNvPr id="168" name="Jede Hypothese der Art „der Effekt ist ungleich Null“ kann zu Meehls Paradox führen.…"/>
-          <p:cNvSpPr txBox="1"/>
-          <p:nvPr>
-            <p:ph type="body" idx="22"/>
-          </p:nvPr>
-        </p:nvSpPr>
-        <p:spPr>
-          <a:prstGeom prst="rect">
-            <a:avLst/>
-          </a:prstGeom>
-        </p:spPr>
-        <p:txBody>
-          <a:bodyPr/>
-          <a:lstStyle/>
-          <a:p>
-            <a:pPr marL="452119" marR="113029" indent="-339089" defTabSz="1157427">
-              <a:spcBef>
-                <a:spcPts val="800"/>
-              </a:spcBef>
-              <a:defRPr sz="2136"/>
-            </a:pPr>
-            <a:r>
-              <a:t>Jede Hypothese der Art „der Effekt ist ungleich Null“ kann zu Meehls Paradox führen.</a:t>
-            </a:r>
-          </a:p>
-          <a:p>
-            <a:pPr marL="452119" marR="113029" indent="-339089" defTabSz="1157427">
-              <a:spcBef>
-                <a:spcPts val="800"/>
-              </a:spcBef>
-              <a:defRPr sz="2136"/>
-            </a:pPr>
-            <a:r>
-              <a:t>Je größer die Stichprobe, desto einfacher wird es, die Hypothese zu bestätigen und desto schwieriger, sie zu verwerfen.</a:t>
-            </a:r>
-          </a:p>
-          <a:p>
-            <a:pPr marL="452119" marR="113029" indent="-339089" defTabSz="1157427">
-              <a:spcBef>
-                <a:spcPts val="800"/>
-              </a:spcBef>
-              <a:defRPr sz="2136"/>
-            </a:pPr>
-            <a:r>
-              <a:t>Aber Wissenschaft sollte genau umgekehrt laufen: Große Stichproben erlauben genauere Messungen und sollten daher kleinere Fehler aufdecken bzw. Fehler mit höherer Sicherheit aufdecken. Daher sollten größere Stichproben es einer Hypothese schwieriger machen.</a:t>
-            </a:r>
-          </a:p>
-          <a:p>
-            <a:pPr marL="452119" marR="113029" indent="-339089" defTabSz="1157427">
-              <a:spcBef>
-                <a:spcPts val="800"/>
-              </a:spcBef>
-              <a:defRPr sz="2136"/>
-            </a:pPr>
-            <a:r>
-              <a:t>Beispiel: Die Lichtgeschwindigkeit beträgt (laut der aktuellen Hypothese) 299,792.458 m/s. Genauere Messungen (durch größere Stichproben) sollten es der Hypothese mehr zusetzen als kleinere Stichproben.</a:t>
-            </a:r>
-          </a:p>
-          <a:p>
-            <a:pPr marL="452119" marR="113029" indent="-339089" defTabSz="1157427">
-              <a:spcBef>
-                <a:spcPts val="800"/>
-              </a:spcBef>
-              <a:defRPr sz="2136"/>
-            </a:pPr>
-            <a:r>
-              <a:t>Das Testen von Nullhypothesen (z.B. in den Sozialwissenschaften, kaum in der Physik) lädt das Meehlsche Paradox ein.</a:t>
-            </a:r>
-          </a:p>
-        </p:txBody>
-      </p:sp>
-      <p:pic>
-        <p:nvPicPr>
-          <p:cNvPr id="169" name="Bild" descr="Bild"/>
-          <p:cNvPicPr>
-            <a:picLocks noChangeAspect="1"/>
-          </p:cNvPicPr>
-          <p:nvPr/>
-        </p:nvPicPr>
-        <p:blipFill>
-          <a:blip r:embed="rId2">
-            <a:extLst/>
-          </a:blip>
-          <a:stretch>
-            <a:fillRect/>
-          </a:stretch>
-        </p:blipFill>
-        <p:spPr>
-          <a:xfrm>
-            <a:off x="1134287" y="2099930"/>
-            <a:ext cx="3619501" cy="4419601"/>
-          </a:xfrm>
-          <a:prstGeom prst="rect">
-            <a:avLst/>
-          </a:prstGeom>
-          <a:ln w="12700">
-            <a:miter lim="400000"/>
-          </a:ln>
-        </p:spPr>
-      </p:pic>
-      <p:sp>
-        <p:nvSpPr>
-          <p:cNvPr id="170" name="Paul Meehl, 1920-2003"/>
-          <p:cNvSpPr txBox="1"/>
-          <p:nvPr/>
-        </p:nvSpPr>
-        <p:spPr>
-          <a:xfrm>
-            <a:off x="1402495" y="6717957"/>
-            <a:ext cx="2884610" cy="485649"/>
-          </a:xfrm>
-          <a:prstGeom prst="rect">
-            <a:avLst/>
-          </a:prstGeom>
-          <a:ln w="12700">
-            <a:miter lim="400000"/>
-          </a:ln>
-          <a:extLst>
-            <a:ext uri="{C572A759-6A51-4108-AA02-DFA0A04FC94B}">
-              <ma14:wrappingTextBoxFlag xmlns:ma14="http://schemas.microsoft.com/office/mac/drawingml/2011/main" val="1"/>
-            </a:ext>
-          </a:extLst>
-        </p:spPr>
-        <p:txBody>
-          <a:bodyPr wrap="none" lIns="65023" tIns="65023" rIns="65023" bIns="65023">
-            <a:spAutoFit/>
-          </a:bodyPr>
-          <a:lstStyle>
-            <a:lvl1pPr>
-              <a:defRPr u="sng">
-                <a:solidFill>
-                  <a:srgbClr val="0070C0"/>
-                </a:solidFill>
-                <a:uFill>
-                  <a:solidFill>
-                    <a:srgbClr val="0070C0"/>
-                  </a:solidFill>
-                </a:uFill>
-                <a:hlinkClick r:id="rId3" invalidUrl="" action="" tgtFrame="" tooltip="" history="1" highlightClick="0" endSnd="0"/>
-              </a:defRPr>
-            </a:lvl1pPr>
-          </a:lstStyle>
-          <a:p>
-            <a:pPr>
-              <a:defRPr u="none">
-                <a:solidFill>
-                  <a:srgbClr val="000000"/>
-                </a:solidFill>
-                <a:uFillTx/>
-              </a:defRPr>
-            </a:pPr>
-            <a:r>
-              <a:rPr u="sng">
-                <a:solidFill>
-                  <a:srgbClr val="0070C0"/>
-                </a:solidFill>
-                <a:uFill>
-                  <a:solidFill>
-                    <a:srgbClr val="0070C0"/>
-                  </a:solidFill>
-                </a:uFill>
-                <a:hlinkClick r:id="rId3" invalidUrl="" action="" tgtFrame="" tooltip="" history="1" highlightClick="0" endSnd="0"/>
-              </a:rPr>
-              <a:t>Paul Meehl, 1920-2003</a:t>
-            </a:r>
-          </a:p>
-        </p:txBody>
-      </p:sp>
-      <p:sp>
-        <p:nvSpPr>
-          <p:cNvPr id="171" name="Bildquelle"/>
-          <p:cNvSpPr txBox="1"/>
-          <p:nvPr/>
-        </p:nvSpPr>
-        <p:spPr>
-          <a:xfrm>
-            <a:off x="294709" y="9152427"/>
-            <a:ext cx="733745" cy="307849"/>
-          </a:xfrm>
-          <a:prstGeom prst="rect">
-            <a:avLst/>
-          </a:prstGeom>
-          <a:ln w="12700">
-            <a:miter lim="400000"/>
-          </a:ln>
-          <a:extLst>
-            <a:ext uri="{C572A759-6A51-4108-AA02-DFA0A04FC94B}">
-              <ma14:wrappingTextBoxFlag xmlns:ma14="http://schemas.microsoft.com/office/mac/drawingml/2011/main" val="1"/>
-            </a:ext>
-          </a:extLst>
-        </p:spPr>
-        <p:txBody>
-          <a:bodyPr wrap="none" lIns="65023" tIns="65023" rIns="65023" bIns="65023">
-            <a:spAutoFit/>
-          </a:bodyPr>
-          <a:lstStyle>
-            <a:lvl1pPr>
-              <a:defRPr sz="1200" u="sng">
-                <a:solidFill>
-                  <a:srgbClr val="0070C0"/>
-                </a:solidFill>
-                <a:uFill>
-                  <a:solidFill>
-                    <a:srgbClr val="0070C0"/>
-                  </a:solidFill>
-                </a:uFill>
-                <a:hlinkClick r:id="rId3" invalidUrl="" action="" tgtFrame="" tooltip="" history="1" highlightClick="0" endSnd="0"/>
-              </a:defRPr>
-            </a:lvl1pPr>
-          </a:lstStyle>
-          <a:p>
-            <a:pPr>
-              <a:defRPr u="none">
-                <a:solidFill>
-                  <a:srgbClr val="000000"/>
-                </a:solidFill>
-                <a:uFillTx/>
-              </a:defRPr>
-            </a:pPr>
-            <a:r>
-              <a:rPr u="sng">
-                <a:solidFill>
-                  <a:srgbClr val="0070C0"/>
-                </a:solidFill>
-                <a:uFill>
-                  <a:solidFill>
-                    <a:srgbClr val="0070C0"/>
-                  </a:solidFill>
-                </a:uFill>
-                <a:hlinkClick r:id="rId3" invalidUrl="" action="" tgtFrame="" tooltip="" history="1" highlightClick="0" endSnd="0"/>
-              </a:rPr>
-              <a:t>Bildquelle</a:t>
             </a:r>
           </a:p>
         </p:txBody>
@@ -13194,8 +14117,8 @@
         </p:blipFill>
         <p:spPr>
           <a:xfrm>
-            <a:off x="5943600" y="3505199"/>
-            <a:ext cx="5299138" cy="2032001"/>
+            <a:off x="5943600" y="3505200"/>
+            <a:ext cx="5299138" cy="2032000"/>
           </a:xfrm>
           <a:prstGeom prst="rect">
             <a:avLst/>
@@ -13305,21 +14228,33 @@
             </a:r>
           </a:p>
           <a:p>
+            <a:pPr lvl="1" marL="812800" indent="-228600">
+              <a:buClr>
+                <a:schemeClr val="accent5"/>
+              </a:buClr>
+              <a:buFont typeface="Arial"/>
+              <a:buChar char="▶︎"/>
+            </a:pPr>
+            <a:r>
+              <a:t>ROPE: Ein größeres N ficht eine Hypothese stärker an als ein kleineres N, wie es sich gehört.</a:t>
+            </a:r>
+          </a:p>
+          <a:p>
+            <a:pPr lvl="1" marL="812800" indent="-228600">
+              <a:buClr>
+                <a:schemeClr val="accent5"/>
+              </a:buClr>
+              <a:buFont typeface="Arial"/>
+              <a:buChar char="▶︎"/>
+            </a:pPr>
+            <a:r>
+              <a:t>Paramterschätzung: Je größer N, desto präziser wird ein Parameter geschätzt.</a:t>
+            </a:r>
+          </a:p>
+          <a:p>
             <a:pPr/>
             <a:r>
-              <a:t>ROPE: Ein größeres N ficht eine Hypothese stärker an als ein kleineres N</a:t>
-            </a:r>
-          </a:p>
-          <a:p>
-            <a:pPr/>
-            <a:r>
-              <a:t>Paramterschätzung: Je größer N, desto präziser wird ein Parameter geschätzt.</a:t>
-            </a:r>
-          </a:p>
-          <a:p>
-            <a:pPr/>
-            <a:r>
-              <a:t>Die Wissenschaft funktioniert also, wie sie sollte mit beiden Ansätzen.</a:t>
+              <a:t>Die Wissenschaft funktioniert also, wie sie sollte, mit beiden Ansätzen.</a:t>
             </a:r>
           </a:p>
           <a:p>
@@ -13514,7 +14449,7 @@
               <a:defRPr sz="2304"/>
             </a:pPr>
             <a:r>
-              <a:t>Man wird gezwungen (Gutachter, Geldgeber, …)</a:t>
+              <a:t>Man wird dazu gedrängt (Gutachter, Geldgeber, …)</a:t>
             </a:r>
           </a:p>
           <a:p>
@@ -13546,7 +14481,14 @@
               <a:defRPr sz="2304"/>
             </a:pPr>
             <a:r>
-              <a:t>Fallzahlplanung verhindert Betrug, wenn vorab dokumentiert</a:t>
+              <a:t>Fallzahlplanung verhindert Betrug, </a:t>
+            </a:r>
+            <a:r>
+              <a:rPr i="1"/>
+              <a:t>wenn</a:t>
+            </a:r>
+            <a:r>
+              <a:t> vorab dokumentiert</a:t>
             </a:r>
           </a:p>
         </p:txBody>
@@ -13727,7 +14669,7 @@
         <p:spPr>
           <a:xfrm>
             <a:off x="3524511" y="3452876"/>
-            <a:ext cx="1434578" cy="485648"/>
+            <a:ext cx="1434578" cy="485649"/>
           </a:xfrm>
           <a:prstGeom prst="rect">
             <a:avLst/>
@@ -13804,7 +14746,7 @@
         </p:nvSpPr>
         <p:spPr>
           <a:xfrm>
-            <a:off x="269616" y="9076761"/>
+            <a:off x="269616" y="9076760"/>
             <a:ext cx="11551168" cy="485649"/>
           </a:xfrm>
           <a:prstGeom prst="rect">
